--- a/meeting slides/lossless_hierarchy.pptx
+++ b/meeting slides/lossless_hierarchy.pptx
@@ -5,7 +5,7 @@
     <p:sldMasterId id="2147483648" r:id="rId1"/>
   </p:sldMasterIdLst>
   <p:notesMasterIdLst>
-    <p:notesMasterId r:id="rId8"/>
+    <p:notesMasterId r:id="rId9"/>
   </p:notesMasterIdLst>
   <p:sldIdLst>
     <p:sldId id="280" r:id="rId2"/>
@@ -14,6 +14,7 @@
     <p:sldId id="278" r:id="rId5"/>
     <p:sldId id="279" r:id="rId6"/>
     <p:sldId id="281" r:id="rId7"/>
+    <p:sldId id="283" r:id="rId8"/>
   </p:sldIdLst>
   <p:sldSz cx="12192000" cy="6858000"/>
   <p:notesSz cx="6858000" cy="9144000"/>
@@ -829,6 +830,93 @@
     <p:extLst>
       <p:ext uri="{BB962C8B-B14F-4D97-AF65-F5344CB8AC3E}">
         <p14:creationId xmlns:p14="http://schemas.microsoft.com/office/powerpoint/2010/main" val="3526169135"/>
+      </p:ext>
+    </p:extLst>
+  </p:cSld>
+  <p:clrMapOvr>
+    <a:masterClrMapping/>
+  </p:clrMapOvr>
+</p:notes>
+</file>
+
+<file path=ppt/notesSlides/notesSlide5.xml><?xml version="1.0" encoding="utf-8"?>
+<p:notes xmlns:a="http://schemas.openxmlformats.org/drawingml/2006/main" xmlns:r="http://schemas.openxmlformats.org/officeDocument/2006/relationships" xmlns:p="http://schemas.openxmlformats.org/presentationml/2006/main">
+  <p:cSld>
+    <p:spTree>
+      <p:nvGrpSpPr>
+        <p:cNvPr id="1" name=""/>
+        <p:cNvGrpSpPr/>
+        <p:nvPr/>
+      </p:nvGrpSpPr>
+      <p:grpSpPr>
+        <a:xfrm>
+          <a:off x="0" y="0"/>
+          <a:ext cx="0" cy="0"/>
+          <a:chOff x="0" y="0"/>
+          <a:chExt cx="0" cy="0"/>
+        </a:xfrm>
+      </p:grpSpPr>
+      <p:sp>
+        <p:nvSpPr>
+          <p:cNvPr id="2" name="Slide Image Placeholder 1"/>
+          <p:cNvSpPr>
+            <a:spLocks noGrp="1" noRot="1" noChangeAspect="1"/>
+          </p:cNvSpPr>
+          <p:nvPr>
+            <p:ph type="sldImg"/>
+          </p:nvPr>
+        </p:nvSpPr>
+        <p:spPr/>
+      </p:sp>
+      <p:sp>
+        <p:nvSpPr>
+          <p:cNvPr id="3" name="Notes Placeholder 2"/>
+          <p:cNvSpPr>
+            <a:spLocks noGrp="1"/>
+          </p:cNvSpPr>
+          <p:nvPr>
+            <p:ph type="body" idx="1"/>
+          </p:nvPr>
+        </p:nvSpPr>
+        <p:spPr/>
+        <p:txBody>
+          <a:bodyPr>
+            <a:normAutofit/>
+          </a:bodyPr>
+          <a:lstStyle/>
+          <a:p>
+            <a:endParaRPr lang="en-US" dirty="0"/>
+          </a:p>
+        </p:txBody>
+      </p:sp>
+      <p:sp>
+        <p:nvSpPr>
+          <p:cNvPr id="4" name="Slide Number Placeholder 3"/>
+          <p:cNvSpPr>
+            <a:spLocks noGrp="1"/>
+          </p:cNvSpPr>
+          <p:nvPr>
+            <p:ph type="sldNum" sz="quarter" idx="10"/>
+          </p:nvPr>
+        </p:nvSpPr>
+        <p:spPr/>
+        <p:txBody>
+          <a:bodyPr/>
+          <a:lstStyle/>
+          <a:p>
+            <a:fld id="{931B5C69-5FC5-464A-867E-66740EC5255F}" type="slidenum">
+              <a:rPr lang="en-US" smtClean="0"/>
+              <a:pPr/>
+              <a:t>7</a:t>
+            </a:fld>
+            <a:endParaRPr lang="en-US"/>
+          </a:p>
+        </p:txBody>
+      </p:sp>
+    </p:spTree>
+    <p:extLst>
+      <p:ext uri="{BB962C8B-B14F-4D97-AF65-F5344CB8AC3E}">
+        <p14:creationId xmlns:p14="http://schemas.microsoft.com/office/powerpoint/2010/main" val="3061828093"/>
       </p:ext>
     </p:extLst>
   </p:cSld>
@@ -21478,6 +21566,3525 @@
                                     <p:set>
                                       <p:cBhvr>
                                         <p:cTn id="22" dur="1" fill="hold">
+                                          <p:stCondLst>
+                                            <p:cond delay="0"/>
+                                          </p:stCondLst>
+                                        </p:cTn>
+                                        <p:tgtEl>
+                                          <p:spTgt spid="247"/>
+                                        </p:tgtEl>
+                                        <p:attrNameLst>
+                                          <p:attrName>style.visibility</p:attrName>
+                                        </p:attrNameLst>
+                                      </p:cBhvr>
+                                      <p:to>
+                                        <p:strVal val="visible"/>
+                                      </p:to>
+                                    </p:set>
+                                  </p:childTnLst>
+                                </p:cTn>
+                              </p:par>
+                            </p:childTnLst>
+                          </p:cTn>
+                        </p:par>
+                      </p:childTnLst>
+                    </p:cTn>
+                  </p:par>
+                </p:childTnLst>
+              </p:cTn>
+              <p:prevCondLst>
+                <p:cond evt="onPrev" delay="0">
+                  <p:tgtEl>
+                    <p:sldTgt/>
+                  </p:tgtEl>
+                </p:cond>
+              </p:prevCondLst>
+              <p:nextCondLst>
+                <p:cond evt="onNext" delay="0">
+                  <p:tgtEl>
+                    <p:sldTgt/>
+                  </p:tgtEl>
+                </p:cond>
+              </p:nextCondLst>
+            </p:seq>
+          </p:childTnLst>
+        </p:cTn>
+      </p:par>
+    </p:tnLst>
+  </p:timing>
+</p:sld>
+</file>
+
+<file path=ppt/slides/slide7.xml><?xml version="1.0" encoding="utf-8"?>
+<p:sld xmlns:a="http://schemas.openxmlformats.org/drawingml/2006/main" xmlns:r="http://schemas.openxmlformats.org/officeDocument/2006/relationships" xmlns:p="http://schemas.openxmlformats.org/presentationml/2006/main">
+  <p:cSld>
+    <p:spTree>
+      <p:nvGrpSpPr>
+        <p:cNvPr id="1" name=""/>
+        <p:cNvGrpSpPr/>
+        <p:nvPr/>
+      </p:nvGrpSpPr>
+      <p:grpSpPr>
+        <a:xfrm>
+          <a:off x="0" y="0"/>
+          <a:ext cx="0" cy="0"/>
+          <a:chOff x="0" y="0"/>
+          <a:chExt cx="0" cy="0"/>
+        </a:xfrm>
+      </p:grpSpPr>
+      <p:sp>
+        <p:nvSpPr>
+          <p:cNvPr id="214" name="Rectangle 213"/>
+          <p:cNvSpPr/>
+          <p:nvPr/>
+        </p:nvSpPr>
+        <p:spPr>
+          <a:xfrm>
+            <a:off x="2179898" y="3474334"/>
+            <a:ext cx="1066800" cy="533400"/>
+          </a:xfrm>
+          <a:prstGeom prst="rect">
+            <a:avLst/>
+          </a:prstGeom>
+          <a:ln w="9525"/>
+        </p:spPr>
+        <p:style>
+          <a:lnRef idx="2">
+            <a:schemeClr val="dk1"/>
+          </a:lnRef>
+          <a:fillRef idx="1">
+            <a:schemeClr val="lt1"/>
+          </a:fillRef>
+          <a:effectRef idx="0">
+            <a:schemeClr val="dk1"/>
+          </a:effectRef>
+          <a:fontRef idx="minor">
+            <a:schemeClr val="dk1"/>
+          </a:fontRef>
+        </p:style>
+        <p:txBody>
+          <a:bodyPr rtlCol="0" anchor="ctr"/>
+          <a:lstStyle/>
+          <a:p>
+            <a:pPr algn="ctr"/>
+            <a:r>
+              <a:rPr lang="en-US" dirty="0"/>
+              <a:t>&lt;0,0&gt;</a:t>
+            </a:r>
+          </a:p>
+        </p:txBody>
+      </p:sp>
+      <p:sp>
+        <p:nvSpPr>
+          <p:cNvPr id="215" name="Oval 214"/>
+          <p:cNvSpPr/>
+          <p:nvPr/>
+        </p:nvSpPr>
+        <p:spPr>
+          <a:xfrm>
+            <a:off x="1722698" y="4541134"/>
+            <a:ext cx="457200" cy="457200"/>
+          </a:xfrm>
+          <a:prstGeom prst="ellipse">
+            <a:avLst/>
+          </a:prstGeom>
+          <a:solidFill>
+            <a:srgbClr val="92D050"/>
+          </a:solidFill>
+        </p:spPr>
+        <p:style>
+          <a:lnRef idx="2">
+            <a:schemeClr val="dk1"/>
+          </a:lnRef>
+          <a:fillRef idx="1">
+            <a:schemeClr val="lt1"/>
+          </a:fillRef>
+          <a:effectRef idx="0">
+            <a:schemeClr val="dk1"/>
+          </a:effectRef>
+          <a:fontRef idx="minor">
+            <a:schemeClr val="dk1"/>
+          </a:fontRef>
+        </p:style>
+        <p:txBody>
+          <a:bodyPr rtlCol="0" anchor="ctr"/>
+          <a:lstStyle/>
+          <a:p>
+            <a:pPr algn="ctr"/>
+            <a:endParaRPr lang="en-US" sz="1050" dirty="0"/>
+          </a:p>
+        </p:txBody>
+      </p:sp>
+      <p:sp>
+        <p:nvSpPr>
+          <p:cNvPr id="216" name="Oval 215"/>
+          <p:cNvSpPr/>
+          <p:nvPr/>
+        </p:nvSpPr>
+        <p:spPr>
+          <a:xfrm>
+            <a:off x="2256098" y="4541134"/>
+            <a:ext cx="457200" cy="457200"/>
+          </a:xfrm>
+          <a:prstGeom prst="ellipse">
+            <a:avLst/>
+          </a:prstGeom>
+        </p:spPr>
+        <p:style>
+          <a:lnRef idx="2">
+            <a:schemeClr val="dk1"/>
+          </a:lnRef>
+          <a:fillRef idx="1">
+            <a:schemeClr val="lt1"/>
+          </a:fillRef>
+          <a:effectRef idx="0">
+            <a:schemeClr val="dk1"/>
+          </a:effectRef>
+          <a:fontRef idx="minor">
+            <a:schemeClr val="dk1"/>
+          </a:fontRef>
+        </p:style>
+        <p:txBody>
+          <a:bodyPr rtlCol="0" anchor="ctr"/>
+          <a:lstStyle/>
+          <a:p>
+            <a:pPr algn="ctr"/>
+            <a:endParaRPr lang="en-US"/>
+          </a:p>
+        </p:txBody>
+      </p:sp>
+      <p:sp>
+        <p:nvSpPr>
+          <p:cNvPr id="217" name="Oval 216"/>
+          <p:cNvSpPr/>
+          <p:nvPr/>
+        </p:nvSpPr>
+        <p:spPr>
+          <a:xfrm>
+            <a:off x="2789498" y="4541134"/>
+            <a:ext cx="457200" cy="457200"/>
+          </a:xfrm>
+          <a:prstGeom prst="ellipse">
+            <a:avLst/>
+          </a:prstGeom>
+        </p:spPr>
+        <p:style>
+          <a:lnRef idx="2">
+            <a:schemeClr val="dk1"/>
+          </a:lnRef>
+          <a:fillRef idx="1">
+            <a:schemeClr val="lt1"/>
+          </a:fillRef>
+          <a:effectRef idx="0">
+            <a:schemeClr val="dk1"/>
+          </a:effectRef>
+          <a:fontRef idx="minor">
+            <a:schemeClr val="dk1"/>
+          </a:fontRef>
+        </p:style>
+        <p:txBody>
+          <a:bodyPr rtlCol="0" anchor="ctr"/>
+          <a:lstStyle/>
+          <a:p>
+            <a:pPr algn="ctr"/>
+            <a:endParaRPr lang="en-US"/>
+          </a:p>
+        </p:txBody>
+      </p:sp>
+      <p:sp>
+        <p:nvSpPr>
+          <p:cNvPr id="218" name="Oval 217"/>
+          <p:cNvSpPr/>
+          <p:nvPr/>
+        </p:nvSpPr>
+        <p:spPr>
+          <a:xfrm>
+            <a:off x="3322898" y="4541134"/>
+            <a:ext cx="457200" cy="457200"/>
+          </a:xfrm>
+          <a:prstGeom prst="ellipse">
+            <a:avLst/>
+          </a:prstGeom>
+        </p:spPr>
+        <p:style>
+          <a:lnRef idx="2">
+            <a:schemeClr val="accent6">
+              <a:shade val="50000"/>
+            </a:schemeClr>
+          </a:lnRef>
+          <a:fillRef idx="1">
+            <a:schemeClr val="accent6"/>
+          </a:fillRef>
+          <a:effectRef idx="0">
+            <a:schemeClr val="accent6"/>
+          </a:effectRef>
+          <a:fontRef idx="minor">
+            <a:schemeClr val="lt1"/>
+          </a:fontRef>
+        </p:style>
+        <p:txBody>
+          <a:bodyPr rtlCol="0" anchor="ctr"/>
+          <a:lstStyle/>
+          <a:p>
+            <a:pPr algn="ctr"/>
+            <a:endParaRPr lang="en-US"/>
+          </a:p>
+        </p:txBody>
+      </p:sp>
+      <p:cxnSp>
+        <p:nvCxnSpPr>
+          <p:cNvPr id="219" name="Straight Connector 218"/>
+          <p:cNvCxnSpPr>
+            <a:stCxn id="215" idx="0"/>
+            <a:endCxn id="214" idx="2"/>
+          </p:cNvCxnSpPr>
+          <p:nvPr/>
+        </p:nvCxnSpPr>
+        <p:spPr>
+          <a:xfrm rot="5400000" flipH="1" flipV="1">
+            <a:off x="2065598" y="3893434"/>
+            <a:ext cx="533400" cy="762000"/>
+          </a:xfrm>
+          <a:prstGeom prst="line">
+            <a:avLst/>
+          </a:prstGeom>
+          <a:ln w="12700">
+            <a:solidFill>
+              <a:schemeClr val="tx1"/>
+            </a:solidFill>
+          </a:ln>
+        </p:spPr>
+        <p:style>
+          <a:lnRef idx="1">
+            <a:schemeClr val="accent1"/>
+          </a:lnRef>
+          <a:fillRef idx="0">
+            <a:schemeClr val="accent1"/>
+          </a:fillRef>
+          <a:effectRef idx="0">
+            <a:schemeClr val="accent1"/>
+          </a:effectRef>
+          <a:fontRef idx="minor">
+            <a:schemeClr val="tx1"/>
+          </a:fontRef>
+        </p:style>
+      </p:cxnSp>
+      <p:cxnSp>
+        <p:nvCxnSpPr>
+          <p:cNvPr id="220" name="Straight Connector 219"/>
+          <p:cNvCxnSpPr>
+            <a:stCxn id="216" idx="0"/>
+            <a:endCxn id="214" idx="2"/>
+          </p:cNvCxnSpPr>
+          <p:nvPr/>
+        </p:nvCxnSpPr>
+        <p:spPr>
+          <a:xfrm rot="5400000" flipH="1" flipV="1">
+            <a:off x="2332298" y="4160134"/>
+            <a:ext cx="533400" cy="228600"/>
+          </a:xfrm>
+          <a:prstGeom prst="line">
+            <a:avLst/>
+          </a:prstGeom>
+          <a:ln>
+            <a:solidFill>
+              <a:schemeClr val="tx1"/>
+            </a:solidFill>
+          </a:ln>
+        </p:spPr>
+        <p:style>
+          <a:lnRef idx="1">
+            <a:schemeClr val="accent1"/>
+          </a:lnRef>
+          <a:fillRef idx="0">
+            <a:schemeClr val="accent1"/>
+          </a:fillRef>
+          <a:effectRef idx="0">
+            <a:schemeClr val="accent1"/>
+          </a:effectRef>
+          <a:fontRef idx="minor">
+            <a:schemeClr val="tx1"/>
+          </a:fontRef>
+        </p:style>
+      </p:cxnSp>
+      <p:cxnSp>
+        <p:nvCxnSpPr>
+          <p:cNvPr id="221" name="Straight Connector 220"/>
+          <p:cNvCxnSpPr>
+            <a:stCxn id="217" idx="0"/>
+            <a:endCxn id="214" idx="2"/>
+          </p:cNvCxnSpPr>
+          <p:nvPr/>
+        </p:nvCxnSpPr>
+        <p:spPr>
+          <a:xfrm rot="16200000" flipV="1">
+            <a:off x="2598998" y="4122034"/>
+            <a:ext cx="533400" cy="304800"/>
+          </a:xfrm>
+          <a:prstGeom prst="line">
+            <a:avLst/>
+          </a:prstGeom>
+          <a:ln>
+            <a:solidFill>
+              <a:schemeClr val="tx1"/>
+            </a:solidFill>
+          </a:ln>
+        </p:spPr>
+        <p:style>
+          <a:lnRef idx="1">
+            <a:schemeClr val="accent1"/>
+          </a:lnRef>
+          <a:fillRef idx="0">
+            <a:schemeClr val="accent1"/>
+          </a:fillRef>
+          <a:effectRef idx="0">
+            <a:schemeClr val="accent1"/>
+          </a:effectRef>
+          <a:fontRef idx="minor">
+            <a:schemeClr val="tx1"/>
+          </a:fontRef>
+        </p:style>
+      </p:cxnSp>
+      <p:cxnSp>
+        <p:nvCxnSpPr>
+          <p:cNvPr id="222" name="Straight Connector 221"/>
+          <p:cNvCxnSpPr>
+            <a:stCxn id="218" idx="0"/>
+            <a:endCxn id="214" idx="2"/>
+          </p:cNvCxnSpPr>
+          <p:nvPr/>
+        </p:nvCxnSpPr>
+        <p:spPr>
+          <a:xfrm rot="16200000" flipV="1">
+            <a:off x="2865698" y="3855334"/>
+            <a:ext cx="533400" cy="838200"/>
+          </a:xfrm>
+          <a:prstGeom prst="line">
+            <a:avLst/>
+          </a:prstGeom>
+          <a:ln w="12700">
+            <a:solidFill>
+              <a:schemeClr val="tx1"/>
+            </a:solidFill>
+          </a:ln>
+        </p:spPr>
+        <p:style>
+          <a:lnRef idx="1">
+            <a:schemeClr val="accent1"/>
+          </a:lnRef>
+          <a:fillRef idx="0">
+            <a:schemeClr val="accent1"/>
+          </a:fillRef>
+          <a:effectRef idx="0">
+            <a:schemeClr val="accent1"/>
+          </a:effectRef>
+          <a:fontRef idx="minor">
+            <a:schemeClr val="tx1"/>
+          </a:fontRef>
+        </p:style>
+      </p:cxnSp>
+      <p:sp>
+        <p:nvSpPr>
+          <p:cNvPr id="223" name="TextBox 222"/>
+          <p:cNvSpPr txBox="1"/>
+          <p:nvPr/>
+        </p:nvSpPr>
+        <p:spPr>
+          <a:xfrm>
+            <a:off x="1722697" y="4590097"/>
+            <a:ext cx="457200" cy="369332"/>
+          </a:xfrm>
+          <a:prstGeom prst="rect">
+            <a:avLst/>
+          </a:prstGeom>
+          <a:noFill/>
+        </p:spPr>
+        <p:txBody>
+          <a:bodyPr wrap="square" rtlCol="0">
+            <a:spAutoFit/>
+          </a:bodyPr>
+          <a:lstStyle/>
+          <a:p>
+            <a:r>
+              <a:rPr lang="en-US" dirty="0"/>
+              <a:t>00</a:t>
+            </a:r>
+          </a:p>
+        </p:txBody>
+      </p:sp>
+      <p:sp>
+        <p:nvSpPr>
+          <p:cNvPr id="224" name="TextBox 223"/>
+          <p:cNvSpPr txBox="1"/>
+          <p:nvPr/>
+        </p:nvSpPr>
+        <p:spPr>
+          <a:xfrm>
+            <a:off x="2256098" y="4617334"/>
+            <a:ext cx="457200" cy="369332"/>
+          </a:xfrm>
+          <a:prstGeom prst="rect">
+            <a:avLst/>
+          </a:prstGeom>
+          <a:noFill/>
+        </p:spPr>
+        <p:txBody>
+          <a:bodyPr wrap="square" rtlCol="0">
+            <a:spAutoFit/>
+          </a:bodyPr>
+          <a:lstStyle/>
+          <a:p>
+            <a:r>
+              <a:rPr lang="en-US" dirty="0"/>
+              <a:t>01</a:t>
+            </a:r>
+          </a:p>
+        </p:txBody>
+      </p:sp>
+      <p:sp>
+        <p:nvSpPr>
+          <p:cNvPr id="225" name="TextBox 224"/>
+          <p:cNvSpPr txBox="1"/>
+          <p:nvPr/>
+        </p:nvSpPr>
+        <p:spPr>
+          <a:xfrm>
+            <a:off x="2789498" y="4617334"/>
+            <a:ext cx="457200" cy="369332"/>
+          </a:xfrm>
+          <a:prstGeom prst="rect">
+            <a:avLst/>
+          </a:prstGeom>
+          <a:noFill/>
+        </p:spPr>
+        <p:txBody>
+          <a:bodyPr wrap="square" rtlCol="0">
+            <a:spAutoFit/>
+          </a:bodyPr>
+          <a:lstStyle/>
+          <a:p>
+            <a:r>
+              <a:rPr lang="en-US" dirty="0"/>
+              <a:t>02</a:t>
+            </a:r>
+          </a:p>
+        </p:txBody>
+      </p:sp>
+      <p:sp>
+        <p:nvSpPr>
+          <p:cNvPr id="226" name="TextBox 225"/>
+          <p:cNvSpPr txBox="1"/>
+          <p:nvPr/>
+        </p:nvSpPr>
+        <p:spPr>
+          <a:xfrm>
+            <a:off x="3322898" y="4629002"/>
+            <a:ext cx="457200" cy="369332"/>
+          </a:xfrm>
+          <a:prstGeom prst="rect">
+            <a:avLst/>
+          </a:prstGeom>
+          <a:noFill/>
+        </p:spPr>
+        <p:txBody>
+          <a:bodyPr wrap="square" rtlCol="0">
+            <a:spAutoFit/>
+          </a:bodyPr>
+          <a:lstStyle/>
+          <a:p>
+            <a:r>
+              <a:rPr lang="en-US" dirty="0"/>
+              <a:t>03</a:t>
+            </a:r>
+          </a:p>
+        </p:txBody>
+      </p:sp>
+      <p:grpSp>
+        <p:nvGrpSpPr>
+          <p:cNvPr id="227" name="Group 108"/>
+          <p:cNvGrpSpPr/>
+          <p:nvPr/>
+        </p:nvGrpSpPr>
+        <p:grpSpPr>
+          <a:xfrm>
+            <a:off x="4008698" y="3474334"/>
+            <a:ext cx="2057400" cy="1524000"/>
+            <a:chOff x="2438400" y="3886200"/>
+            <a:chExt cx="2057400" cy="1524000"/>
+          </a:xfrm>
+        </p:grpSpPr>
+        <p:sp>
+          <p:nvSpPr>
+            <p:cNvPr id="228" name="Rectangle 227"/>
+            <p:cNvSpPr/>
+            <p:nvPr/>
+          </p:nvSpPr>
+          <p:spPr>
+            <a:xfrm>
+              <a:off x="2895600" y="3886200"/>
+              <a:ext cx="1066800" cy="533400"/>
+            </a:xfrm>
+            <a:prstGeom prst="rect">
+              <a:avLst/>
+            </a:prstGeom>
+            <a:ln w="9525"/>
+          </p:spPr>
+          <p:style>
+            <a:lnRef idx="2">
+              <a:schemeClr val="dk1"/>
+            </a:lnRef>
+            <a:fillRef idx="1">
+              <a:schemeClr val="lt1"/>
+            </a:fillRef>
+            <a:effectRef idx="0">
+              <a:schemeClr val="dk1"/>
+            </a:effectRef>
+            <a:fontRef idx="minor">
+              <a:schemeClr val="dk1"/>
+            </a:fontRef>
+          </p:style>
+          <p:txBody>
+            <a:bodyPr rtlCol="0" anchor="ctr"/>
+            <a:lstStyle/>
+            <a:p>
+              <a:pPr algn="ctr"/>
+              <a:r>
+                <a:rPr lang="en-US" dirty="0"/>
+                <a:t>&lt;0,1&gt;</a:t>
+              </a:r>
+            </a:p>
+          </p:txBody>
+        </p:sp>
+        <p:sp>
+          <p:nvSpPr>
+            <p:cNvPr id="229" name="Oval 228"/>
+            <p:cNvSpPr/>
+            <p:nvPr/>
+          </p:nvSpPr>
+          <p:spPr>
+            <a:xfrm>
+              <a:off x="2438400" y="4953000"/>
+              <a:ext cx="457200" cy="457200"/>
+            </a:xfrm>
+            <a:prstGeom prst="ellipse">
+              <a:avLst/>
+            </a:prstGeom>
+          </p:spPr>
+          <p:style>
+            <a:lnRef idx="2">
+              <a:schemeClr val="dk1"/>
+            </a:lnRef>
+            <a:fillRef idx="1">
+              <a:schemeClr val="lt1"/>
+            </a:fillRef>
+            <a:effectRef idx="0">
+              <a:schemeClr val="dk1"/>
+            </a:effectRef>
+            <a:fontRef idx="minor">
+              <a:schemeClr val="dk1"/>
+            </a:fontRef>
+          </p:style>
+          <p:txBody>
+            <a:bodyPr rtlCol="0" anchor="ctr"/>
+            <a:lstStyle/>
+            <a:p>
+              <a:pPr algn="ctr"/>
+              <a:endParaRPr lang="en-US" sz="1050" dirty="0"/>
+            </a:p>
+          </p:txBody>
+        </p:sp>
+        <p:sp>
+          <p:nvSpPr>
+            <p:cNvPr id="230" name="Oval 229"/>
+            <p:cNvSpPr/>
+            <p:nvPr/>
+          </p:nvSpPr>
+          <p:spPr>
+            <a:xfrm>
+              <a:off x="2971800" y="4953000"/>
+              <a:ext cx="457200" cy="457200"/>
+            </a:xfrm>
+            <a:prstGeom prst="ellipse">
+              <a:avLst/>
+            </a:prstGeom>
+          </p:spPr>
+          <p:style>
+            <a:lnRef idx="2">
+              <a:schemeClr val="dk1"/>
+            </a:lnRef>
+            <a:fillRef idx="1">
+              <a:schemeClr val="lt1"/>
+            </a:fillRef>
+            <a:effectRef idx="0">
+              <a:schemeClr val="dk1"/>
+            </a:effectRef>
+            <a:fontRef idx="minor">
+              <a:schemeClr val="dk1"/>
+            </a:fontRef>
+          </p:style>
+          <p:txBody>
+            <a:bodyPr rtlCol="0" anchor="ctr"/>
+            <a:lstStyle/>
+            <a:p>
+              <a:pPr algn="ctr"/>
+              <a:endParaRPr lang="en-US"/>
+            </a:p>
+          </p:txBody>
+        </p:sp>
+        <p:sp>
+          <p:nvSpPr>
+            <p:cNvPr id="231" name="Oval 230"/>
+            <p:cNvSpPr/>
+            <p:nvPr/>
+          </p:nvSpPr>
+          <p:spPr>
+            <a:xfrm>
+              <a:off x="3505200" y="4953000"/>
+              <a:ext cx="457200" cy="457200"/>
+            </a:xfrm>
+            <a:prstGeom prst="ellipse">
+              <a:avLst/>
+            </a:prstGeom>
+          </p:spPr>
+          <p:style>
+            <a:lnRef idx="2">
+              <a:schemeClr val="dk1"/>
+            </a:lnRef>
+            <a:fillRef idx="1">
+              <a:schemeClr val="lt1"/>
+            </a:fillRef>
+            <a:effectRef idx="0">
+              <a:schemeClr val="dk1"/>
+            </a:effectRef>
+            <a:fontRef idx="minor">
+              <a:schemeClr val="dk1"/>
+            </a:fontRef>
+          </p:style>
+          <p:txBody>
+            <a:bodyPr rtlCol="0" anchor="ctr"/>
+            <a:lstStyle/>
+            <a:p>
+              <a:pPr algn="ctr"/>
+              <a:endParaRPr lang="en-US"/>
+            </a:p>
+          </p:txBody>
+        </p:sp>
+        <p:sp>
+          <p:nvSpPr>
+            <p:cNvPr id="232" name="Oval 231"/>
+            <p:cNvSpPr/>
+            <p:nvPr/>
+          </p:nvSpPr>
+          <p:spPr>
+            <a:xfrm>
+              <a:off x="4038600" y="4953000"/>
+              <a:ext cx="457200" cy="457200"/>
+            </a:xfrm>
+            <a:prstGeom prst="ellipse">
+              <a:avLst/>
+            </a:prstGeom>
+          </p:spPr>
+          <p:style>
+            <a:lnRef idx="2">
+              <a:schemeClr val="dk1"/>
+            </a:lnRef>
+            <a:fillRef idx="1">
+              <a:schemeClr val="lt1"/>
+            </a:fillRef>
+            <a:effectRef idx="0">
+              <a:schemeClr val="dk1"/>
+            </a:effectRef>
+            <a:fontRef idx="minor">
+              <a:schemeClr val="dk1"/>
+            </a:fontRef>
+          </p:style>
+          <p:txBody>
+            <a:bodyPr rtlCol="0" anchor="ctr"/>
+            <a:lstStyle/>
+            <a:p>
+              <a:pPr algn="ctr"/>
+              <a:endParaRPr lang="en-US"/>
+            </a:p>
+          </p:txBody>
+        </p:sp>
+        <p:cxnSp>
+          <p:nvCxnSpPr>
+            <p:cNvPr id="233" name="Straight Connector 232"/>
+            <p:cNvCxnSpPr>
+              <a:stCxn id="229" idx="0"/>
+              <a:endCxn id="228" idx="2"/>
+            </p:cNvCxnSpPr>
+            <p:nvPr/>
+          </p:nvCxnSpPr>
+          <p:spPr>
+            <a:xfrm rot="5400000" flipH="1" flipV="1">
+              <a:off x="2781300" y="4305300"/>
+              <a:ext cx="533400" cy="762000"/>
+            </a:xfrm>
+            <a:prstGeom prst="line">
+              <a:avLst/>
+            </a:prstGeom>
+            <a:ln>
+              <a:solidFill>
+                <a:schemeClr val="tx1">
+                  <a:alpha val="50000"/>
+                </a:schemeClr>
+              </a:solidFill>
+            </a:ln>
+          </p:spPr>
+          <p:style>
+            <a:lnRef idx="1">
+              <a:schemeClr val="accent1"/>
+            </a:lnRef>
+            <a:fillRef idx="0">
+              <a:schemeClr val="accent1"/>
+            </a:fillRef>
+            <a:effectRef idx="0">
+              <a:schemeClr val="accent1"/>
+            </a:effectRef>
+            <a:fontRef idx="minor">
+              <a:schemeClr val="tx1"/>
+            </a:fontRef>
+          </p:style>
+        </p:cxnSp>
+        <p:cxnSp>
+          <p:nvCxnSpPr>
+            <p:cNvPr id="234" name="Straight Connector 233"/>
+            <p:cNvCxnSpPr>
+              <a:stCxn id="230" idx="0"/>
+              <a:endCxn id="228" idx="2"/>
+            </p:cNvCxnSpPr>
+            <p:nvPr/>
+          </p:nvCxnSpPr>
+          <p:spPr>
+            <a:xfrm rot="5400000" flipH="1" flipV="1">
+              <a:off x="3048000" y="4572000"/>
+              <a:ext cx="533400" cy="228600"/>
+            </a:xfrm>
+            <a:prstGeom prst="line">
+              <a:avLst/>
+            </a:prstGeom>
+            <a:ln>
+              <a:solidFill>
+                <a:schemeClr val="tx1">
+                  <a:alpha val="50000"/>
+                </a:schemeClr>
+              </a:solidFill>
+            </a:ln>
+          </p:spPr>
+          <p:style>
+            <a:lnRef idx="1">
+              <a:schemeClr val="accent1"/>
+            </a:lnRef>
+            <a:fillRef idx="0">
+              <a:schemeClr val="accent1"/>
+            </a:fillRef>
+            <a:effectRef idx="0">
+              <a:schemeClr val="accent1"/>
+            </a:effectRef>
+            <a:fontRef idx="minor">
+              <a:schemeClr val="tx1"/>
+            </a:fontRef>
+          </p:style>
+        </p:cxnSp>
+        <p:cxnSp>
+          <p:nvCxnSpPr>
+            <p:cNvPr id="235" name="Straight Connector 234"/>
+            <p:cNvCxnSpPr>
+              <a:stCxn id="231" idx="0"/>
+              <a:endCxn id="228" idx="2"/>
+            </p:cNvCxnSpPr>
+            <p:nvPr/>
+          </p:nvCxnSpPr>
+          <p:spPr>
+            <a:xfrm rot="16200000" flipV="1">
+              <a:off x="3314700" y="4533900"/>
+              <a:ext cx="533400" cy="304800"/>
+            </a:xfrm>
+            <a:prstGeom prst="line">
+              <a:avLst/>
+            </a:prstGeom>
+            <a:ln>
+              <a:solidFill>
+                <a:schemeClr val="tx1">
+                  <a:alpha val="50000"/>
+                </a:schemeClr>
+              </a:solidFill>
+            </a:ln>
+          </p:spPr>
+          <p:style>
+            <a:lnRef idx="1">
+              <a:schemeClr val="accent1"/>
+            </a:lnRef>
+            <a:fillRef idx="0">
+              <a:schemeClr val="accent1"/>
+            </a:fillRef>
+            <a:effectRef idx="0">
+              <a:schemeClr val="accent1"/>
+            </a:effectRef>
+            <a:fontRef idx="minor">
+              <a:schemeClr val="tx1"/>
+            </a:fontRef>
+          </p:style>
+        </p:cxnSp>
+        <p:cxnSp>
+          <p:nvCxnSpPr>
+            <p:cNvPr id="236" name="Straight Connector 235"/>
+            <p:cNvCxnSpPr>
+              <a:stCxn id="232" idx="0"/>
+              <a:endCxn id="228" idx="2"/>
+            </p:cNvCxnSpPr>
+            <p:nvPr/>
+          </p:nvCxnSpPr>
+          <p:spPr>
+            <a:xfrm rot="16200000" flipV="1">
+              <a:off x="3581400" y="4267200"/>
+              <a:ext cx="533400" cy="838200"/>
+            </a:xfrm>
+            <a:prstGeom prst="line">
+              <a:avLst/>
+            </a:prstGeom>
+            <a:ln>
+              <a:solidFill>
+                <a:schemeClr val="tx1">
+                  <a:alpha val="50000"/>
+                </a:schemeClr>
+              </a:solidFill>
+            </a:ln>
+          </p:spPr>
+          <p:style>
+            <a:lnRef idx="1">
+              <a:schemeClr val="accent1"/>
+            </a:lnRef>
+            <a:fillRef idx="0">
+              <a:schemeClr val="accent1"/>
+            </a:fillRef>
+            <a:effectRef idx="0">
+              <a:schemeClr val="accent1"/>
+            </a:effectRef>
+            <a:fontRef idx="minor">
+              <a:schemeClr val="tx1"/>
+            </a:fontRef>
+          </p:style>
+        </p:cxnSp>
+        <p:sp>
+          <p:nvSpPr>
+            <p:cNvPr id="237" name="TextBox 236"/>
+            <p:cNvSpPr txBox="1"/>
+            <p:nvPr/>
+          </p:nvSpPr>
+          <p:spPr>
+            <a:xfrm>
+              <a:off x="2438400" y="5029200"/>
+              <a:ext cx="457200" cy="369332"/>
+            </a:xfrm>
+            <a:prstGeom prst="rect">
+              <a:avLst/>
+            </a:prstGeom>
+            <a:noFill/>
+          </p:spPr>
+          <p:txBody>
+            <a:bodyPr wrap="square" rtlCol="0">
+              <a:spAutoFit/>
+            </a:bodyPr>
+            <a:lstStyle/>
+            <a:p>
+              <a:r>
+                <a:rPr lang="en-US" dirty="0"/>
+                <a:t>10</a:t>
+              </a:r>
+            </a:p>
+          </p:txBody>
+        </p:sp>
+        <p:sp>
+          <p:nvSpPr>
+            <p:cNvPr id="238" name="TextBox 237"/>
+            <p:cNvSpPr txBox="1"/>
+            <p:nvPr/>
+          </p:nvSpPr>
+          <p:spPr>
+            <a:xfrm>
+              <a:off x="2971800" y="5029200"/>
+              <a:ext cx="457200" cy="369332"/>
+            </a:xfrm>
+            <a:prstGeom prst="rect">
+              <a:avLst/>
+            </a:prstGeom>
+            <a:noFill/>
+          </p:spPr>
+          <p:txBody>
+            <a:bodyPr wrap="square" rtlCol="0">
+              <a:spAutoFit/>
+            </a:bodyPr>
+            <a:lstStyle/>
+            <a:p>
+              <a:r>
+                <a:rPr lang="en-US" dirty="0"/>
+                <a:t>11</a:t>
+              </a:r>
+            </a:p>
+          </p:txBody>
+        </p:sp>
+        <p:sp>
+          <p:nvSpPr>
+            <p:cNvPr id="239" name="TextBox 238"/>
+            <p:cNvSpPr txBox="1"/>
+            <p:nvPr/>
+          </p:nvSpPr>
+          <p:spPr>
+            <a:xfrm>
+              <a:off x="3505200" y="5029200"/>
+              <a:ext cx="457200" cy="369332"/>
+            </a:xfrm>
+            <a:prstGeom prst="rect">
+              <a:avLst/>
+            </a:prstGeom>
+            <a:noFill/>
+          </p:spPr>
+          <p:txBody>
+            <a:bodyPr wrap="square" rtlCol="0">
+              <a:spAutoFit/>
+            </a:bodyPr>
+            <a:lstStyle/>
+            <a:p>
+              <a:r>
+                <a:rPr lang="en-US" dirty="0"/>
+                <a:t>12</a:t>
+              </a:r>
+            </a:p>
+          </p:txBody>
+        </p:sp>
+        <p:sp>
+          <p:nvSpPr>
+            <p:cNvPr id="240" name="TextBox 239"/>
+            <p:cNvSpPr txBox="1"/>
+            <p:nvPr/>
+          </p:nvSpPr>
+          <p:spPr>
+            <a:xfrm>
+              <a:off x="4038600" y="5040868"/>
+              <a:ext cx="457200" cy="369332"/>
+            </a:xfrm>
+            <a:prstGeom prst="rect">
+              <a:avLst/>
+            </a:prstGeom>
+            <a:noFill/>
+          </p:spPr>
+          <p:txBody>
+            <a:bodyPr wrap="square" rtlCol="0">
+              <a:spAutoFit/>
+            </a:bodyPr>
+            <a:lstStyle/>
+            <a:p>
+              <a:r>
+                <a:rPr lang="en-US" dirty="0"/>
+                <a:t>13</a:t>
+              </a:r>
+            </a:p>
+          </p:txBody>
+        </p:sp>
+      </p:grpSp>
+      <p:sp>
+        <p:nvSpPr>
+          <p:cNvPr id="242" name="Rectangle 241"/>
+          <p:cNvSpPr/>
+          <p:nvPr/>
+        </p:nvSpPr>
+        <p:spPr>
+          <a:xfrm>
+            <a:off x="6675698" y="3474334"/>
+            <a:ext cx="1066800" cy="533400"/>
+          </a:xfrm>
+          <a:prstGeom prst="rect">
+            <a:avLst/>
+          </a:prstGeom>
+          <a:ln w="9525"/>
+        </p:spPr>
+        <p:style>
+          <a:lnRef idx="2">
+            <a:schemeClr val="dk1"/>
+          </a:lnRef>
+          <a:fillRef idx="1">
+            <a:schemeClr val="lt1"/>
+          </a:fillRef>
+          <a:effectRef idx="0">
+            <a:schemeClr val="dk1"/>
+          </a:effectRef>
+          <a:fontRef idx="minor">
+            <a:schemeClr val="dk1"/>
+          </a:fontRef>
+        </p:style>
+        <p:txBody>
+          <a:bodyPr rtlCol="0" anchor="ctr"/>
+          <a:lstStyle/>
+          <a:p>
+            <a:pPr algn="ctr"/>
+            <a:r>
+              <a:rPr lang="en-US" dirty="0"/>
+              <a:t>&lt;0,2&gt;</a:t>
+            </a:r>
+          </a:p>
+        </p:txBody>
+      </p:sp>
+      <p:sp>
+        <p:nvSpPr>
+          <p:cNvPr id="243" name="Oval 242"/>
+          <p:cNvSpPr/>
+          <p:nvPr/>
+        </p:nvSpPr>
+        <p:spPr>
+          <a:xfrm>
+            <a:off x="6218498" y="4541134"/>
+            <a:ext cx="457200" cy="457200"/>
+          </a:xfrm>
+          <a:prstGeom prst="ellipse">
+            <a:avLst/>
+          </a:prstGeom>
+        </p:spPr>
+        <p:style>
+          <a:lnRef idx="2">
+            <a:schemeClr val="accent6">
+              <a:shade val="50000"/>
+            </a:schemeClr>
+          </a:lnRef>
+          <a:fillRef idx="1">
+            <a:schemeClr val="accent6"/>
+          </a:fillRef>
+          <a:effectRef idx="0">
+            <a:schemeClr val="accent6"/>
+          </a:effectRef>
+          <a:fontRef idx="minor">
+            <a:schemeClr val="lt1"/>
+          </a:fontRef>
+        </p:style>
+        <p:txBody>
+          <a:bodyPr rtlCol="0" anchor="ctr"/>
+          <a:lstStyle/>
+          <a:p>
+            <a:pPr algn="ctr"/>
+            <a:endParaRPr lang="en-US" sz="1050" dirty="0"/>
+          </a:p>
+        </p:txBody>
+      </p:sp>
+      <p:sp>
+        <p:nvSpPr>
+          <p:cNvPr id="244" name="Oval 243"/>
+          <p:cNvSpPr/>
+          <p:nvPr/>
+        </p:nvSpPr>
+        <p:spPr>
+          <a:xfrm>
+            <a:off x="6751898" y="4541134"/>
+            <a:ext cx="457200" cy="457200"/>
+          </a:xfrm>
+          <a:prstGeom prst="ellipse">
+            <a:avLst/>
+          </a:prstGeom>
+        </p:spPr>
+        <p:style>
+          <a:lnRef idx="2">
+            <a:schemeClr val="dk1"/>
+          </a:lnRef>
+          <a:fillRef idx="1">
+            <a:schemeClr val="lt1"/>
+          </a:fillRef>
+          <a:effectRef idx="0">
+            <a:schemeClr val="dk1"/>
+          </a:effectRef>
+          <a:fontRef idx="minor">
+            <a:schemeClr val="dk1"/>
+          </a:fontRef>
+        </p:style>
+        <p:txBody>
+          <a:bodyPr rtlCol="0" anchor="ctr"/>
+          <a:lstStyle/>
+          <a:p>
+            <a:pPr algn="ctr"/>
+            <a:endParaRPr lang="en-US"/>
+          </a:p>
+        </p:txBody>
+      </p:sp>
+      <p:sp>
+        <p:nvSpPr>
+          <p:cNvPr id="245" name="Oval 244"/>
+          <p:cNvSpPr/>
+          <p:nvPr/>
+        </p:nvSpPr>
+        <p:spPr>
+          <a:xfrm>
+            <a:off x="7285298" y="4541134"/>
+            <a:ext cx="457200" cy="457200"/>
+          </a:xfrm>
+          <a:prstGeom prst="ellipse">
+            <a:avLst/>
+          </a:prstGeom>
+        </p:spPr>
+        <p:style>
+          <a:lnRef idx="2">
+            <a:schemeClr val="dk1"/>
+          </a:lnRef>
+          <a:fillRef idx="1">
+            <a:schemeClr val="lt1"/>
+          </a:fillRef>
+          <a:effectRef idx="0">
+            <a:schemeClr val="dk1"/>
+          </a:effectRef>
+          <a:fontRef idx="minor">
+            <a:schemeClr val="dk1"/>
+          </a:fontRef>
+        </p:style>
+        <p:txBody>
+          <a:bodyPr rtlCol="0" anchor="ctr"/>
+          <a:lstStyle/>
+          <a:p>
+            <a:pPr algn="ctr"/>
+            <a:endParaRPr lang="en-US"/>
+          </a:p>
+        </p:txBody>
+      </p:sp>
+      <p:sp>
+        <p:nvSpPr>
+          <p:cNvPr id="246" name="Oval 245"/>
+          <p:cNvSpPr/>
+          <p:nvPr/>
+        </p:nvSpPr>
+        <p:spPr>
+          <a:xfrm>
+            <a:off x="7818697" y="4541134"/>
+            <a:ext cx="457200" cy="457200"/>
+          </a:xfrm>
+          <a:prstGeom prst="ellipse">
+            <a:avLst/>
+          </a:prstGeom>
+          <a:solidFill>
+            <a:schemeClr val="accent6"/>
+          </a:solidFill>
+        </p:spPr>
+        <p:style>
+          <a:lnRef idx="2">
+            <a:schemeClr val="dk1"/>
+          </a:lnRef>
+          <a:fillRef idx="1">
+            <a:schemeClr val="lt1"/>
+          </a:fillRef>
+          <a:effectRef idx="0">
+            <a:schemeClr val="dk1"/>
+          </a:effectRef>
+          <a:fontRef idx="minor">
+            <a:schemeClr val="dk1"/>
+          </a:fontRef>
+        </p:style>
+        <p:txBody>
+          <a:bodyPr rtlCol="0" anchor="ctr"/>
+          <a:lstStyle/>
+          <a:p>
+            <a:pPr algn="ctr"/>
+            <a:endParaRPr lang="en-US"/>
+          </a:p>
+        </p:txBody>
+      </p:sp>
+      <p:cxnSp>
+        <p:nvCxnSpPr>
+          <p:cNvPr id="247" name="Straight Connector 246"/>
+          <p:cNvCxnSpPr>
+            <a:stCxn id="243" idx="0"/>
+            <a:endCxn id="242" idx="2"/>
+          </p:cNvCxnSpPr>
+          <p:nvPr/>
+        </p:nvCxnSpPr>
+        <p:spPr>
+          <a:xfrm rot="5400000" flipH="1" flipV="1">
+            <a:off x="6561398" y="3893434"/>
+            <a:ext cx="533400" cy="762000"/>
+          </a:xfrm>
+          <a:prstGeom prst="line">
+            <a:avLst/>
+          </a:prstGeom>
+          <a:ln w="12700">
+            <a:solidFill>
+              <a:schemeClr val="tx1"/>
+            </a:solidFill>
+          </a:ln>
+        </p:spPr>
+        <p:style>
+          <a:lnRef idx="1">
+            <a:schemeClr val="accent1"/>
+          </a:lnRef>
+          <a:fillRef idx="0">
+            <a:schemeClr val="accent1"/>
+          </a:fillRef>
+          <a:effectRef idx="0">
+            <a:schemeClr val="accent1"/>
+          </a:effectRef>
+          <a:fontRef idx="minor">
+            <a:schemeClr val="tx1"/>
+          </a:fontRef>
+        </p:style>
+      </p:cxnSp>
+      <p:cxnSp>
+        <p:nvCxnSpPr>
+          <p:cNvPr id="248" name="Straight Connector 247"/>
+          <p:cNvCxnSpPr>
+            <a:stCxn id="244" idx="0"/>
+            <a:endCxn id="242" idx="2"/>
+          </p:cNvCxnSpPr>
+          <p:nvPr/>
+        </p:nvCxnSpPr>
+        <p:spPr>
+          <a:xfrm rot="5400000" flipH="1" flipV="1">
+            <a:off x="6828098" y="4160134"/>
+            <a:ext cx="533400" cy="228600"/>
+          </a:xfrm>
+          <a:prstGeom prst="line">
+            <a:avLst/>
+          </a:prstGeom>
+          <a:ln>
+            <a:solidFill>
+              <a:schemeClr val="tx1"/>
+            </a:solidFill>
+          </a:ln>
+        </p:spPr>
+        <p:style>
+          <a:lnRef idx="1">
+            <a:schemeClr val="accent1"/>
+          </a:lnRef>
+          <a:fillRef idx="0">
+            <a:schemeClr val="accent1"/>
+          </a:fillRef>
+          <a:effectRef idx="0">
+            <a:schemeClr val="accent1"/>
+          </a:effectRef>
+          <a:fontRef idx="minor">
+            <a:schemeClr val="tx1"/>
+          </a:fontRef>
+        </p:style>
+      </p:cxnSp>
+      <p:cxnSp>
+        <p:nvCxnSpPr>
+          <p:cNvPr id="249" name="Straight Connector 248"/>
+          <p:cNvCxnSpPr>
+            <a:stCxn id="245" idx="0"/>
+            <a:endCxn id="242" idx="2"/>
+          </p:cNvCxnSpPr>
+          <p:nvPr/>
+        </p:nvCxnSpPr>
+        <p:spPr>
+          <a:xfrm rot="16200000" flipV="1">
+            <a:off x="7094798" y="4122034"/>
+            <a:ext cx="533400" cy="304800"/>
+          </a:xfrm>
+          <a:prstGeom prst="line">
+            <a:avLst/>
+          </a:prstGeom>
+          <a:ln>
+            <a:solidFill>
+              <a:schemeClr val="tx1"/>
+            </a:solidFill>
+          </a:ln>
+        </p:spPr>
+        <p:style>
+          <a:lnRef idx="1">
+            <a:schemeClr val="accent1"/>
+          </a:lnRef>
+          <a:fillRef idx="0">
+            <a:schemeClr val="accent1"/>
+          </a:fillRef>
+          <a:effectRef idx="0">
+            <a:schemeClr val="accent1"/>
+          </a:effectRef>
+          <a:fontRef idx="minor">
+            <a:schemeClr val="tx1"/>
+          </a:fontRef>
+        </p:style>
+      </p:cxnSp>
+      <p:cxnSp>
+        <p:nvCxnSpPr>
+          <p:cNvPr id="250" name="Straight Connector 249"/>
+          <p:cNvCxnSpPr>
+            <a:stCxn id="246" idx="0"/>
+            <a:endCxn id="242" idx="2"/>
+          </p:cNvCxnSpPr>
+          <p:nvPr/>
+        </p:nvCxnSpPr>
+        <p:spPr>
+          <a:xfrm flipH="1" flipV="1">
+            <a:off x="7209098" y="4007734"/>
+            <a:ext cx="838199" cy="533400"/>
+          </a:xfrm>
+          <a:prstGeom prst="line">
+            <a:avLst/>
+          </a:prstGeom>
+          <a:ln w="12700">
+            <a:solidFill>
+              <a:schemeClr val="tx1"/>
+            </a:solidFill>
+          </a:ln>
+        </p:spPr>
+        <p:style>
+          <a:lnRef idx="1">
+            <a:schemeClr val="accent1"/>
+          </a:lnRef>
+          <a:fillRef idx="0">
+            <a:schemeClr val="accent1"/>
+          </a:fillRef>
+          <a:effectRef idx="0">
+            <a:schemeClr val="accent1"/>
+          </a:effectRef>
+          <a:fontRef idx="minor">
+            <a:schemeClr val="tx1"/>
+          </a:fontRef>
+        </p:style>
+      </p:cxnSp>
+      <p:sp>
+        <p:nvSpPr>
+          <p:cNvPr id="251" name="TextBox 250"/>
+          <p:cNvSpPr txBox="1"/>
+          <p:nvPr/>
+        </p:nvSpPr>
+        <p:spPr>
+          <a:xfrm>
+            <a:off x="6218498" y="4617334"/>
+            <a:ext cx="457200" cy="369332"/>
+          </a:xfrm>
+          <a:prstGeom prst="rect">
+            <a:avLst/>
+          </a:prstGeom>
+          <a:noFill/>
+        </p:spPr>
+        <p:txBody>
+          <a:bodyPr wrap="square" rtlCol="0">
+            <a:spAutoFit/>
+          </a:bodyPr>
+          <a:lstStyle/>
+          <a:p>
+            <a:r>
+              <a:rPr lang="en-US" dirty="0"/>
+              <a:t>20</a:t>
+            </a:r>
+          </a:p>
+        </p:txBody>
+      </p:sp>
+      <p:sp>
+        <p:nvSpPr>
+          <p:cNvPr id="252" name="TextBox 251"/>
+          <p:cNvSpPr txBox="1"/>
+          <p:nvPr/>
+        </p:nvSpPr>
+        <p:spPr>
+          <a:xfrm>
+            <a:off x="6751898" y="4617334"/>
+            <a:ext cx="457200" cy="369332"/>
+          </a:xfrm>
+          <a:prstGeom prst="rect">
+            <a:avLst/>
+          </a:prstGeom>
+          <a:noFill/>
+        </p:spPr>
+        <p:txBody>
+          <a:bodyPr wrap="square" rtlCol="0">
+            <a:spAutoFit/>
+          </a:bodyPr>
+          <a:lstStyle/>
+          <a:p>
+            <a:r>
+              <a:rPr lang="en-US" dirty="0"/>
+              <a:t>21</a:t>
+            </a:r>
+          </a:p>
+        </p:txBody>
+      </p:sp>
+      <p:sp>
+        <p:nvSpPr>
+          <p:cNvPr id="253" name="TextBox 252"/>
+          <p:cNvSpPr txBox="1"/>
+          <p:nvPr/>
+        </p:nvSpPr>
+        <p:spPr>
+          <a:xfrm>
+            <a:off x="7285298" y="4617334"/>
+            <a:ext cx="457200" cy="369332"/>
+          </a:xfrm>
+          <a:prstGeom prst="rect">
+            <a:avLst/>
+          </a:prstGeom>
+          <a:noFill/>
+        </p:spPr>
+        <p:txBody>
+          <a:bodyPr wrap="square" rtlCol="0">
+            <a:spAutoFit/>
+          </a:bodyPr>
+          <a:lstStyle/>
+          <a:p>
+            <a:r>
+              <a:rPr lang="en-US" dirty="0"/>
+              <a:t>22</a:t>
+            </a:r>
+          </a:p>
+        </p:txBody>
+      </p:sp>
+      <p:sp>
+        <p:nvSpPr>
+          <p:cNvPr id="254" name="TextBox 253"/>
+          <p:cNvSpPr txBox="1"/>
+          <p:nvPr/>
+        </p:nvSpPr>
+        <p:spPr>
+          <a:xfrm>
+            <a:off x="7818698" y="4629002"/>
+            <a:ext cx="457200" cy="369332"/>
+          </a:xfrm>
+          <a:prstGeom prst="rect">
+            <a:avLst/>
+          </a:prstGeom>
+          <a:noFill/>
+        </p:spPr>
+        <p:txBody>
+          <a:bodyPr wrap="square" rtlCol="0">
+            <a:spAutoFit/>
+          </a:bodyPr>
+          <a:lstStyle/>
+          <a:p>
+            <a:r>
+              <a:rPr lang="en-US" dirty="0"/>
+              <a:t>23</a:t>
+            </a:r>
+          </a:p>
+        </p:txBody>
+      </p:sp>
+      <p:grpSp>
+        <p:nvGrpSpPr>
+          <p:cNvPr id="255" name="Group 110"/>
+          <p:cNvGrpSpPr/>
+          <p:nvPr/>
+        </p:nvGrpSpPr>
+        <p:grpSpPr>
+          <a:xfrm>
+            <a:off x="8504498" y="3474334"/>
+            <a:ext cx="2057400" cy="1524000"/>
+            <a:chOff x="6934200" y="3886200"/>
+            <a:chExt cx="2057400" cy="1524000"/>
+          </a:xfrm>
+        </p:grpSpPr>
+        <p:sp>
+          <p:nvSpPr>
+            <p:cNvPr id="256" name="Rectangle 255"/>
+            <p:cNvSpPr/>
+            <p:nvPr/>
+          </p:nvSpPr>
+          <p:spPr>
+            <a:xfrm>
+              <a:off x="7391400" y="3886200"/>
+              <a:ext cx="1066800" cy="533400"/>
+            </a:xfrm>
+            <a:prstGeom prst="rect">
+              <a:avLst/>
+            </a:prstGeom>
+            <a:ln w="9525"/>
+          </p:spPr>
+          <p:style>
+            <a:lnRef idx="2">
+              <a:schemeClr val="dk1"/>
+            </a:lnRef>
+            <a:fillRef idx="1">
+              <a:schemeClr val="lt1"/>
+            </a:fillRef>
+            <a:effectRef idx="0">
+              <a:schemeClr val="dk1"/>
+            </a:effectRef>
+            <a:fontRef idx="minor">
+              <a:schemeClr val="dk1"/>
+            </a:fontRef>
+          </p:style>
+          <p:txBody>
+            <a:bodyPr rtlCol="0" anchor="ctr"/>
+            <a:lstStyle/>
+            <a:p>
+              <a:pPr algn="ctr"/>
+              <a:r>
+                <a:rPr lang="en-US" dirty="0"/>
+                <a:t>&lt;0,3&gt;</a:t>
+              </a:r>
+            </a:p>
+          </p:txBody>
+        </p:sp>
+        <p:sp>
+          <p:nvSpPr>
+            <p:cNvPr id="257" name="Oval 256"/>
+            <p:cNvSpPr/>
+            <p:nvPr/>
+          </p:nvSpPr>
+          <p:spPr>
+            <a:xfrm>
+              <a:off x="6934200" y="4953000"/>
+              <a:ext cx="457200" cy="457200"/>
+            </a:xfrm>
+            <a:prstGeom prst="ellipse">
+              <a:avLst/>
+            </a:prstGeom>
+          </p:spPr>
+          <p:style>
+            <a:lnRef idx="2">
+              <a:schemeClr val="dk1"/>
+            </a:lnRef>
+            <a:fillRef idx="1">
+              <a:schemeClr val="lt1"/>
+            </a:fillRef>
+            <a:effectRef idx="0">
+              <a:schemeClr val="dk1"/>
+            </a:effectRef>
+            <a:fontRef idx="minor">
+              <a:schemeClr val="dk1"/>
+            </a:fontRef>
+          </p:style>
+          <p:txBody>
+            <a:bodyPr rtlCol="0" anchor="ctr"/>
+            <a:lstStyle/>
+            <a:p>
+              <a:pPr algn="ctr"/>
+              <a:endParaRPr lang="en-US" sz="1050" dirty="0"/>
+            </a:p>
+          </p:txBody>
+        </p:sp>
+        <p:sp>
+          <p:nvSpPr>
+            <p:cNvPr id="258" name="Oval 257"/>
+            <p:cNvSpPr/>
+            <p:nvPr/>
+          </p:nvSpPr>
+          <p:spPr>
+            <a:xfrm>
+              <a:off x="7467600" y="4953000"/>
+              <a:ext cx="457200" cy="457200"/>
+            </a:xfrm>
+            <a:prstGeom prst="ellipse">
+              <a:avLst/>
+            </a:prstGeom>
+          </p:spPr>
+          <p:style>
+            <a:lnRef idx="2">
+              <a:schemeClr val="dk1"/>
+            </a:lnRef>
+            <a:fillRef idx="1">
+              <a:schemeClr val="lt1"/>
+            </a:fillRef>
+            <a:effectRef idx="0">
+              <a:schemeClr val="dk1"/>
+            </a:effectRef>
+            <a:fontRef idx="minor">
+              <a:schemeClr val="dk1"/>
+            </a:fontRef>
+          </p:style>
+          <p:txBody>
+            <a:bodyPr rtlCol="0" anchor="ctr"/>
+            <a:lstStyle/>
+            <a:p>
+              <a:pPr algn="ctr"/>
+              <a:endParaRPr lang="en-US"/>
+            </a:p>
+          </p:txBody>
+        </p:sp>
+        <p:sp>
+          <p:nvSpPr>
+            <p:cNvPr id="259" name="Oval 258"/>
+            <p:cNvSpPr/>
+            <p:nvPr/>
+          </p:nvSpPr>
+          <p:spPr>
+            <a:xfrm>
+              <a:off x="8001000" y="4953000"/>
+              <a:ext cx="457200" cy="457200"/>
+            </a:xfrm>
+            <a:prstGeom prst="ellipse">
+              <a:avLst/>
+            </a:prstGeom>
+          </p:spPr>
+          <p:style>
+            <a:lnRef idx="2">
+              <a:schemeClr val="dk1"/>
+            </a:lnRef>
+            <a:fillRef idx="1">
+              <a:schemeClr val="lt1"/>
+            </a:fillRef>
+            <a:effectRef idx="0">
+              <a:schemeClr val="dk1"/>
+            </a:effectRef>
+            <a:fontRef idx="minor">
+              <a:schemeClr val="dk1"/>
+            </a:fontRef>
+          </p:style>
+          <p:txBody>
+            <a:bodyPr rtlCol="0" anchor="ctr"/>
+            <a:lstStyle/>
+            <a:p>
+              <a:pPr algn="ctr"/>
+              <a:endParaRPr lang="en-US"/>
+            </a:p>
+          </p:txBody>
+        </p:sp>
+        <p:sp>
+          <p:nvSpPr>
+            <p:cNvPr id="260" name="Oval 259"/>
+            <p:cNvSpPr/>
+            <p:nvPr/>
+          </p:nvSpPr>
+          <p:spPr>
+            <a:xfrm>
+              <a:off x="8534400" y="4953000"/>
+              <a:ext cx="457200" cy="457200"/>
+            </a:xfrm>
+            <a:prstGeom prst="ellipse">
+              <a:avLst/>
+            </a:prstGeom>
+          </p:spPr>
+          <p:style>
+            <a:lnRef idx="2">
+              <a:schemeClr val="dk1"/>
+            </a:lnRef>
+            <a:fillRef idx="1">
+              <a:schemeClr val="lt1"/>
+            </a:fillRef>
+            <a:effectRef idx="0">
+              <a:schemeClr val="dk1"/>
+            </a:effectRef>
+            <a:fontRef idx="minor">
+              <a:schemeClr val="dk1"/>
+            </a:fontRef>
+          </p:style>
+          <p:txBody>
+            <a:bodyPr rtlCol="0" anchor="ctr"/>
+            <a:lstStyle/>
+            <a:p>
+              <a:pPr algn="ctr"/>
+              <a:endParaRPr lang="en-US"/>
+            </a:p>
+          </p:txBody>
+        </p:sp>
+        <p:cxnSp>
+          <p:nvCxnSpPr>
+            <p:cNvPr id="261" name="Straight Connector 260"/>
+            <p:cNvCxnSpPr>
+              <a:stCxn id="257" idx="0"/>
+              <a:endCxn id="256" idx="2"/>
+            </p:cNvCxnSpPr>
+            <p:nvPr/>
+          </p:nvCxnSpPr>
+          <p:spPr>
+            <a:xfrm rot="5400000" flipH="1" flipV="1">
+              <a:off x="7277100" y="4305300"/>
+              <a:ext cx="533400" cy="762000"/>
+            </a:xfrm>
+            <a:prstGeom prst="line">
+              <a:avLst/>
+            </a:prstGeom>
+            <a:ln>
+              <a:solidFill>
+                <a:schemeClr val="tx1">
+                  <a:alpha val="50000"/>
+                </a:schemeClr>
+              </a:solidFill>
+            </a:ln>
+          </p:spPr>
+          <p:style>
+            <a:lnRef idx="1">
+              <a:schemeClr val="accent1"/>
+            </a:lnRef>
+            <a:fillRef idx="0">
+              <a:schemeClr val="accent1"/>
+            </a:fillRef>
+            <a:effectRef idx="0">
+              <a:schemeClr val="accent1"/>
+            </a:effectRef>
+            <a:fontRef idx="minor">
+              <a:schemeClr val="tx1"/>
+            </a:fontRef>
+          </p:style>
+        </p:cxnSp>
+        <p:cxnSp>
+          <p:nvCxnSpPr>
+            <p:cNvPr id="262" name="Straight Connector 261"/>
+            <p:cNvCxnSpPr>
+              <a:stCxn id="258" idx="0"/>
+              <a:endCxn id="256" idx="2"/>
+            </p:cNvCxnSpPr>
+            <p:nvPr/>
+          </p:nvCxnSpPr>
+          <p:spPr>
+            <a:xfrm rot="5400000" flipH="1" flipV="1">
+              <a:off x="7543800" y="4572000"/>
+              <a:ext cx="533400" cy="228600"/>
+            </a:xfrm>
+            <a:prstGeom prst="line">
+              <a:avLst/>
+            </a:prstGeom>
+            <a:ln>
+              <a:solidFill>
+                <a:schemeClr val="tx1">
+                  <a:alpha val="50000"/>
+                </a:schemeClr>
+              </a:solidFill>
+            </a:ln>
+          </p:spPr>
+          <p:style>
+            <a:lnRef idx="1">
+              <a:schemeClr val="accent1"/>
+            </a:lnRef>
+            <a:fillRef idx="0">
+              <a:schemeClr val="accent1"/>
+            </a:fillRef>
+            <a:effectRef idx="0">
+              <a:schemeClr val="accent1"/>
+            </a:effectRef>
+            <a:fontRef idx="minor">
+              <a:schemeClr val="tx1"/>
+            </a:fontRef>
+          </p:style>
+        </p:cxnSp>
+        <p:cxnSp>
+          <p:nvCxnSpPr>
+            <p:cNvPr id="263" name="Straight Connector 262"/>
+            <p:cNvCxnSpPr>
+              <a:stCxn id="259" idx="0"/>
+              <a:endCxn id="256" idx="2"/>
+            </p:cNvCxnSpPr>
+            <p:nvPr/>
+          </p:nvCxnSpPr>
+          <p:spPr>
+            <a:xfrm rot="16200000" flipV="1">
+              <a:off x="7810500" y="4533900"/>
+              <a:ext cx="533400" cy="304800"/>
+            </a:xfrm>
+            <a:prstGeom prst="line">
+              <a:avLst/>
+            </a:prstGeom>
+            <a:ln>
+              <a:solidFill>
+                <a:schemeClr val="tx1">
+                  <a:alpha val="50000"/>
+                </a:schemeClr>
+              </a:solidFill>
+            </a:ln>
+          </p:spPr>
+          <p:style>
+            <a:lnRef idx="1">
+              <a:schemeClr val="accent1"/>
+            </a:lnRef>
+            <a:fillRef idx="0">
+              <a:schemeClr val="accent1"/>
+            </a:fillRef>
+            <a:effectRef idx="0">
+              <a:schemeClr val="accent1"/>
+            </a:effectRef>
+            <a:fontRef idx="minor">
+              <a:schemeClr val="tx1"/>
+            </a:fontRef>
+          </p:style>
+        </p:cxnSp>
+        <p:cxnSp>
+          <p:nvCxnSpPr>
+            <p:cNvPr id="264" name="Straight Connector 263"/>
+            <p:cNvCxnSpPr>
+              <a:stCxn id="260" idx="0"/>
+              <a:endCxn id="256" idx="2"/>
+            </p:cNvCxnSpPr>
+            <p:nvPr/>
+          </p:nvCxnSpPr>
+          <p:spPr>
+            <a:xfrm rot="16200000" flipV="1">
+              <a:off x="8077200" y="4267200"/>
+              <a:ext cx="533400" cy="838200"/>
+            </a:xfrm>
+            <a:prstGeom prst="line">
+              <a:avLst/>
+            </a:prstGeom>
+            <a:ln>
+              <a:solidFill>
+                <a:schemeClr val="tx1">
+                  <a:alpha val="50000"/>
+                </a:schemeClr>
+              </a:solidFill>
+            </a:ln>
+          </p:spPr>
+          <p:style>
+            <a:lnRef idx="1">
+              <a:schemeClr val="accent1"/>
+            </a:lnRef>
+            <a:fillRef idx="0">
+              <a:schemeClr val="accent1"/>
+            </a:fillRef>
+            <a:effectRef idx="0">
+              <a:schemeClr val="accent1"/>
+            </a:effectRef>
+            <a:fontRef idx="minor">
+              <a:schemeClr val="tx1"/>
+            </a:fontRef>
+          </p:style>
+        </p:cxnSp>
+        <p:sp>
+          <p:nvSpPr>
+            <p:cNvPr id="265" name="TextBox 264"/>
+            <p:cNvSpPr txBox="1"/>
+            <p:nvPr/>
+          </p:nvSpPr>
+          <p:spPr>
+            <a:xfrm>
+              <a:off x="6934200" y="5029200"/>
+              <a:ext cx="457200" cy="369332"/>
+            </a:xfrm>
+            <a:prstGeom prst="rect">
+              <a:avLst/>
+            </a:prstGeom>
+            <a:noFill/>
+          </p:spPr>
+          <p:txBody>
+            <a:bodyPr wrap="square" rtlCol="0">
+              <a:spAutoFit/>
+            </a:bodyPr>
+            <a:lstStyle/>
+            <a:p>
+              <a:r>
+                <a:rPr lang="en-US" dirty="0"/>
+                <a:t>30</a:t>
+              </a:r>
+            </a:p>
+          </p:txBody>
+        </p:sp>
+        <p:sp>
+          <p:nvSpPr>
+            <p:cNvPr id="266" name="TextBox 265"/>
+            <p:cNvSpPr txBox="1"/>
+            <p:nvPr/>
+          </p:nvSpPr>
+          <p:spPr>
+            <a:xfrm>
+              <a:off x="7467600" y="5029200"/>
+              <a:ext cx="457200" cy="369332"/>
+            </a:xfrm>
+            <a:prstGeom prst="rect">
+              <a:avLst/>
+            </a:prstGeom>
+            <a:noFill/>
+          </p:spPr>
+          <p:txBody>
+            <a:bodyPr wrap="square" rtlCol="0">
+              <a:spAutoFit/>
+            </a:bodyPr>
+            <a:lstStyle/>
+            <a:p>
+              <a:r>
+                <a:rPr lang="en-US" dirty="0"/>
+                <a:t>31</a:t>
+              </a:r>
+            </a:p>
+          </p:txBody>
+        </p:sp>
+        <p:sp>
+          <p:nvSpPr>
+            <p:cNvPr id="267" name="TextBox 266"/>
+            <p:cNvSpPr txBox="1"/>
+            <p:nvPr/>
+          </p:nvSpPr>
+          <p:spPr>
+            <a:xfrm>
+              <a:off x="8001000" y="5029200"/>
+              <a:ext cx="457200" cy="369332"/>
+            </a:xfrm>
+            <a:prstGeom prst="rect">
+              <a:avLst/>
+            </a:prstGeom>
+            <a:noFill/>
+          </p:spPr>
+          <p:txBody>
+            <a:bodyPr wrap="square" rtlCol="0">
+              <a:spAutoFit/>
+            </a:bodyPr>
+            <a:lstStyle/>
+            <a:p>
+              <a:r>
+                <a:rPr lang="en-US" dirty="0"/>
+                <a:t>32</a:t>
+              </a:r>
+            </a:p>
+          </p:txBody>
+        </p:sp>
+        <p:sp>
+          <p:nvSpPr>
+            <p:cNvPr id="268" name="TextBox 267"/>
+            <p:cNvSpPr txBox="1"/>
+            <p:nvPr/>
+          </p:nvSpPr>
+          <p:spPr>
+            <a:xfrm>
+              <a:off x="8534400" y="5040868"/>
+              <a:ext cx="457200" cy="369332"/>
+            </a:xfrm>
+            <a:prstGeom prst="rect">
+              <a:avLst/>
+            </a:prstGeom>
+            <a:noFill/>
+          </p:spPr>
+          <p:txBody>
+            <a:bodyPr wrap="square" rtlCol="0">
+              <a:spAutoFit/>
+            </a:bodyPr>
+            <a:lstStyle/>
+            <a:p>
+              <a:r>
+                <a:rPr lang="en-US" dirty="0"/>
+                <a:t>33</a:t>
+              </a:r>
+            </a:p>
+          </p:txBody>
+        </p:sp>
+      </p:grpSp>
+      <p:sp>
+        <p:nvSpPr>
+          <p:cNvPr id="269" name="Rectangle 268"/>
+          <p:cNvSpPr/>
+          <p:nvPr/>
+        </p:nvSpPr>
+        <p:spPr>
+          <a:xfrm>
+            <a:off x="2179898" y="1950334"/>
+            <a:ext cx="1066800" cy="533400"/>
+          </a:xfrm>
+          <a:prstGeom prst="rect">
+            <a:avLst/>
+          </a:prstGeom>
+          <a:ln w="9525"/>
+        </p:spPr>
+        <p:style>
+          <a:lnRef idx="2">
+            <a:schemeClr val="dk1"/>
+          </a:lnRef>
+          <a:fillRef idx="1">
+            <a:schemeClr val="lt1"/>
+          </a:fillRef>
+          <a:effectRef idx="0">
+            <a:schemeClr val="dk1"/>
+          </a:effectRef>
+          <a:fontRef idx="minor">
+            <a:schemeClr val="dk1"/>
+          </a:fontRef>
+        </p:style>
+        <p:txBody>
+          <a:bodyPr rtlCol="0" anchor="ctr"/>
+          <a:lstStyle/>
+          <a:p>
+            <a:pPr algn="ctr"/>
+            <a:r>
+              <a:rPr lang="en-US" dirty="0"/>
+              <a:t>&lt;1,0&gt;</a:t>
+            </a:r>
+          </a:p>
+        </p:txBody>
+      </p:sp>
+      <p:sp>
+        <p:nvSpPr>
+          <p:cNvPr id="270" name="Rectangle 269"/>
+          <p:cNvSpPr/>
+          <p:nvPr/>
+        </p:nvSpPr>
+        <p:spPr>
+          <a:xfrm>
+            <a:off x="4465898" y="1950334"/>
+            <a:ext cx="1066800" cy="533400"/>
+          </a:xfrm>
+          <a:prstGeom prst="rect">
+            <a:avLst/>
+          </a:prstGeom>
+          <a:ln w="9525"/>
+        </p:spPr>
+        <p:style>
+          <a:lnRef idx="2">
+            <a:schemeClr val="dk1"/>
+          </a:lnRef>
+          <a:fillRef idx="1">
+            <a:schemeClr val="lt1"/>
+          </a:fillRef>
+          <a:effectRef idx="0">
+            <a:schemeClr val="dk1"/>
+          </a:effectRef>
+          <a:fontRef idx="minor">
+            <a:schemeClr val="dk1"/>
+          </a:fontRef>
+        </p:style>
+        <p:txBody>
+          <a:bodyPr rtlCol="0" anchor="ctr"/>
+          <a:lstStyle/>
+          <a:p>
+            <a:pPr algn="ctr"/>
+            <a:r>
+              <a:rPr lang="en-US" dirty="0"/>
+              <a:t>&lt;1,1&gt;</a:t>
+            </a:r>
+          </a:p>
+        </p:txBody>
+      </p:sp>
+      <p:sp>
+        <p:nvSpPr>
+          <p:cNvPr id="271" name="Rectangle 270"/>
+          <p:cNvSpPr/>
+          <p:nvPr/>
+        </p:nvSpPr>
+        <p:spPr>
+          <a:xfrm>
+            <a:off x="6675698" y="1950334"/>
+            <a:ext cx="1066800" cy="533400"/>
+          </a:xfrm>
+          <a:prstGeom prst="rect">
+            <a:avLst/>
+          </a:prstGeom>
+          <a:ln w="9525"/>
+        </p:spPr>
+        <p:style>
+          <a:lnRef idx="2">
+            <a:schemeClr val="dk1"/>
+          </a:lnRef>
+          <a:fillRef idx="1">
+            <a:schemeClr val="lt1"/>
+          </a:fillRef>
+          <a:effectRef idx="0">
+            <a:schemeClr val="dk1"/>
+          </a:effectRef>
+          <a:fontRef idx="minor">
+            <a:schemeClr val="dk1"/>
+          </a:fontRef>
+        </p:style>
+        <p:txBody>
+          <a:bodyPr rtlCol="0" anchor="ctr"/>
+          <a:lstStyle/>
+          <a:p>
+            <a:pPr algn="ctr"/>
+            <a:r>
+              <a:rPr lang="en-US" dirty="0"/>
+              <a:t>&lt;1,2&gt;</a:t>
+            </a:r>
+          </a:p>
+        </p:txBody>
+      </p:sp>
+      <p:sp>
+        <p:nvSpPr>
+          <p:cNvPr id="272" name="Rectangle 271"/>
+          <p:cNvSpPr/>
+          <p:nvPr/>
+        </p:nvSpPr>
+        <p:spPr>
+          <a:xfrm>
+            <a:off x="8961698" y="1950334"/>
+            <a:ext cx="1066800" cy="533400"/>
+          </a:xfrm>
+          <a:prstGeom prst="rect">
+            <a:avLst/>
+          </a:prstGeom>
+          <a:ln w="9525"/>
+        </p:spPr>
+        <p:style>
+          <a:lnRef idx="2">
+            <a:schemeClr val="dk1"/>
+          </a:lnRef>
+          <a:fillRef idx="1">
+            <a:schemeClr val="lt1"/>
+          </a:fillRef>
+          <a:effectRef idx="0">
+            <a:schemeClr val="dk1"/>
+          </a:effectRef>
+          <a:fontRef idx="minor">
+            <a:schemeClr val="dk1"/>
+          </a:fontRef>
+        </p:style>
+        <p:txBody>
+          <a:bodyPr rtlCol="0" anchor="ctr"/>
+          <a:lstStyle/>
+          <a:p>
+            <a:pPr algn="ctr"/>
+            <a:r>
+              <a:rPr lang="en-US" dirty="0"/>
+              <a:t>&lt;1,3&gt;</a:t>
+            </a:r>
+          </a:p>
+        </p:txBody>
+      </p:sp>
+      <p:cxnSp>
+        <p:nvCxnSpPr>
+          <p:cNvPr id="273" name="Straight Connector 272"/>
+          <p:cNvCxnSpPr>
+            <a:endCxn id="269" idx="2"/>
+          </p:cNvCxnSpPr>
+          <p:nvPr/>
+        </p:nvCxnSpPr>
+        <p:spPr>
+          <a:xfrm rot="5400000" flipH="1" flipV="1">
+            <a:off x="1303598" y="3131434"/>
+            <a:ext cx="2057400" cy="762000"/>
+          </a:xfrm>
+          <a:prstGeom prst="line">
+            <a:avLst/>
+          </a:prstGeom>
+          <a:ln w="12700">
+            <a:solidFill>
+              <a:schemeClr val="tx1"/>
+            </a:solidFill>
+          </a:ln>
+        </p:spPr>
+        <p:style>
+          <a:lnRef idx="1">
+            <a:schemeClr val="accent1"/>
+          </a:lnRef>
+          <a:fillRef idx="0">
+            <a:schemeClr val="accent1"/>
+          </a:fillRef>
+          <a:effectRef idx="0">
+            <a:schemeClr val="accent1"/>
+          </a:effectRef>
+          <a:fontRef idx="minor">
+            <a:schemeClr val="tx1"/>
+          </a:fontRef>
+        </p:style>
+      </p:cxnSp>
+      <p:cxnSp>
+        <p:nvCxnSpPr>
+          <p:cNvPr id="274" name="Straight Connector 273"/>
+          <p:cNvCxnSpPr>
+            <a:endCxn id="270" idx="2"/>
+          </p:cNvCxnSpPr>
+          <p:nvPr/>
+        </p:nvCxnSpPr>
+        <p:spPr>
+          <a:xfrm rot="5400000" flipH="1" flipV="1">
+            <a:off x="2713298" y="2255134"/>
+            <a:ext cx="2057400" cy="2514600"/>
+          </a:xfrm>
+          <a:prstGeom prst="line">
+            <a:avLst/>
+          </a:prstGeom>
+          <a:ln>
+            <a:solidFill>
+              <a:schemeClr val="tx1">
+                <a:alpha val="50000"/>
+              </a:schemeClr>
+            </a:solidFill>
+          </a:ln>
+        </p:spPr>
+        <p:style>
+          <a:lnRef idx="1">
+            <a:schemeClr val="accent1"/>
+          </a:lnRef>
+          <a:fillRef idx="0">
+            <a:schemeClr val="accent1"/>
+          </a:fillRef>
+          <a:effectRef idx="0">
+            <a:schemeClr val="accent1"/>
+          </a:effectRef>
+          <a:fontRef idx="minor">
+            <a:schemeClr val="tx1"/>
+          </a:fontRef>
+        </p:style>
+      </p:cxnSp>
+      <p:cxnSp>
+        <p:nvCxnSpPr>
+          <p:cNvPr id="275" name="Straight Connector 274"/>
+          <p:cNvCxnSpPr>
+            <a:endCxn id="271" idx="2"/>
+          </p:cNvCxnSpPr>
+          <p:nvPr/>
+        </p:nvCxnSpPr>
+        <p:spPr>
+          <a:xfrm rot="5400000" flipH="1" flipV="1">
+            <a:off x="4084898" y="1416934"/>
+            <a:ext cx="2057400" cy="4191000"/>
+          </a:xfrm>
+          <a:prstGeom prst="line">
+            <a:avLst/>
+          </a:prstGeom>
+          <a:ln>
+            <a:solidFill>
+              <a:schemeClr val="tx1">
+                <a:alpha val="50000"/>
+              </a:schemeClr>
+            </a:solidFill>
+          </a:ln>
+        </p:spPr>
+        <p:style>
+          <a:lnRef idx="1">
+            <a:schemeClr val="accent1"/>
+          </a:lnRef>
+          <a:fillRef idx="0">
+            <a:schemeClr val="accent1"/>
+          </a:fillRef>
+          <a:effectRef idx="0">
+            <a:schemeClr val="accent1"/>
+          </a:effectRef>
+          <a:fontRef idx="minor">
+            <a:schemeClr val="tx1"/>
+          </a:fontRef>
+        </p:style>
+      </p:cxnSp>
+      <p:cxnSp>
+        <p:nvCxnSpPr>
+          <p:cNvPr id="276" name="Straight Connector 275"/>
+          <p:cNvCxnSpPr/>
+          <p:nvPr/>
+        </p:nvCxnSpPr>
+        <p:spPr>
+          <a:xfrm rot="5400000" flipH="1" flipV="1">
+            <a:off x="5494598" y="540634"/>
+            <a:ext cx="2057400" cy="5943600"/>
+          </a:xfrm>
+          <a:prstGeom prst="line">
+            <a:avLst/>
+          </a:prstGeom>
+          <a:ln w="12700">
+            <a:solidFill>
+              <a:schemeClr val="tx1">
+                <a:lumMod val="50000"/>
+                <a:lumOff val="50000"/>
+              </a:schemeClr>
+            </a:solidFill>
+          </a:ln>
+        </p:spPr>
+        <p:style>
+          <a:lnRef idx="1">
+            <a:schemeClr val="accent1"/>
+          </a:lnRef>
+          <a:fillRef idx="0">
+            <a:schemeClr val="accent1"/>
+          </a:fillRef>
+          <a:effectRef idx="0">
+            <a:schemeClr val="accent1"/>
+          </a:effectRef>
+          <a:fontRef idx="minor">
+            <a:schemeClr val="tx1"/>
+          </a:fontRef>
+        </p:style>
+      </p:cxnSp>
+      <p:cxnSp>
+        <p:nvCxnSpPr>
+          <p:cNvPr id="277" name="Straight Connector 276"/>
+          <p:cNvCxnSpPr>
+            <a:endCxn id="269" idx="2"/>
+          </p:cNvCxnSpPr>
+          <p:nvPr/>
+        </p:nvCxnSpPr>
+        <p:spPr>
+          <a:xfrm rot="16200000" flipV="1">
+            <a:off x="2446598" y="2750434"/>
+            <a:ext cx="2057400" cy="1524000"/>
+          </a:xfrm>
+          <a:prstGeom prst="line">
+            <a:avLst/>
+          </a:prstGeom>
+          <a:ln>
+            <a:solidFill>
+              <a:schemeClr val="tx1">
+                <a:alpha val="50000"/>
+              </a:schemeClr>
+            </a:solidFill>
+          </a:ln>
+        </p:spPr>
+        <p:style>
+          <a:lnRef idx="1">
+            <a:schemeClr val="accent1"/>
+          </a:lnRef>
+          <a:fillRef idx="0">
+            <a:schemeClr val="accent1"/>
+          </a:fillRef>
+          <a:effectRef idx="0">
+            <a:schemeClr val="accent1"/>
+          </a:effectRef>
+          <a:fontRef idx="minor">
+            <a:schemeClr val="tx1"/>
+          </a:fontRef>
+        </p:style>
+      </p:cxnSp>
+      <p:cxnSp>
+        <p:nvCxnSpPr>
+          <p:cNvPr id="278" name="Straight Connector 277"/>
+          <p:cNvCxnSpPr>
+            <a:endCxn id="270" idx="2"/>
+          </p:cNvCxnSpPr>
+          <p:nvPr/>
+        </p:nvCxnSpPr>
+        <p:spPr>
+          <a:xfrm rot="5400000" flipH="1" flipV="1">
+            <a:off x="3856298" y="3398134"/>
+            <a:ext cx="2057400" cy="228600"/>
+          </a:xfrm>
+          <a:prstGeom prst="line">
+            <a:avLst/>
+          </a:prstGeom>
+          <a:ln>
+            <a:solidFill>
+              <a:schemeClr val="tx1">
+                <a:alpha val="50000"/>
+              </a:schemeClr>
+            </a:solidFill>
+          </a:ln>
+        </p:spPr>
+        <p:style>
+          <a:lnRef idx="1">
+            <a:schemeClr val="accent1"/>
+          </a:lnRef>
+          <a:fillRef idx="0">
+            <a:schemeClr val="accent1"/>
+          </a:fillRef>
+          <a:effectRef idx="0">
+            <a:schemeClr val="accent1"/>
+          </a:effectRef>
+          <a:fontRef idx="minor">
+            <a:schemeClr val="tx1"/>
+          </a:fontRef>
+        </p:style>
+      </p:cxnSp>
+      <p:cxnSp>
+        <p:nvCxnSpPr>
+          <p:cNvPr id="279" name="Straight Connector 278"/>
+          <p:cNvCxnSpPr>
+            <a:endCxn id="271" idx="2"/>
+          </p:cNvCxnSpPr>
+          <p:nvPr/>
+        </p:nvCxnSpPr>
+        <p:spPr>
+          <a:xfrm rot="5400000" flipH="1" flipV="1">
+            <a:off x="5227898" y="2559934"/>
+            <a:ext cx="2057400" cy="1905000"/>
+          </a:xfrm>
+          <a:prstGeom prst="line">
+            <a:avLst/>
+          </a:prstGeom>
+          <a:ln>
+            <a:solidFill>
+              <a:schemeClr val="tx1">
+                <a:alpha val="50000"/>
+              </a:schemeClr>
+            </a:solidFill>
+          </a:ln>
+        </p:spPr>
+        <p:style>
+          <a:lnRef idx="1">
+            <a:schemeClr val="accent1"/>
+          </a:lnRef>
+          <a:fillRef idx="0">
+            <a:schemeClr val="accent1"/>
+          </a:fillRef>
+          <a:effectRef idx="0">
+            <a:schemeClr val="accent1"/>
+          </a:effectRef>
+          <a:fontRef idx="minor">
+            <a:schemeClr val="tx1"/>
+          </a:fontRef>
+        </p:style>
+      </p:cxnSp>
+      <p:cxnSp>
+        <p:nvCxnSpPr>
+          <p:cNvPr id="280" name="Straight Connector 279"/>
+          <p:cNvCxnSpPr>
+            <a:endCxn id="272" idx="2"/>
+          </p:cNvCxnSpPr>
+          <p:nvPr/>
+        </p:nvCxnSpPr>
+        <p:spPr>
+          <a:xfrm rot="5400000" flipH="1" flipV="1">
+            <a:off x="6637598" y="1683634"/>
+            <a:ext cx="2057400" cy="3657600"/>
+          </a:xfrm>
+          <a:prstGeom prst="line">
+            <a:avLst/>
+          </a:prstGeom>
+          <a:ln>
+            <a:solidFill>
+              <a:schemeClr val="tx1">
+                <a:alpha val="50000"/>
+              </a:schemeClr>
+            </a:solidFill>
+          </a:ln>
+        </p:spPr>
+        <p:style>
+          <a:lnRef idx="1">
+            <a:schemeClr val="accent1"/>
+          </a:lnRef>
+          <a:fillRef idx="0">
+            <a:schemeClr val="accent1"/>
+          </a:fillRef>
+          <a:effectRef idx="0">
+            <a:schemeClr val="accent1"/>
+          </a:effectRef>
+          <a:fontRef idx="minor">
+            <a:schemeClr val="tx1"/>
+          </a:fontRef>
+        </p:style>
+      </p:cxnSp>
+      <p:cxnSp>
+        <p:nvCxnSpPr>
+          <p:cNvPr id="281" name="Straight Connector 280"/>
+          <p:cNvCxnSpPr>
+            <a:endCxn id="269" idx="2"/>
+          </p:cNvCxnSpPr>
+          <p:nvPr/>
+        </p:nvCxnSpPr>
+        <p:spPr>
+          <a:xfrm rot="16200000" flipV="1">
+            <a:off x="3551498" y="1645534"/>
+            <a:ext cx="2057400" cy="3733800"/>
+          </a:xfrm>
+          <a:prstGeom prst="line">
+            <a:avLst/>
+          </a:prstGeom>
+          <a:ln w="12700">
+            <a:solidFill>
+              <a:schemeClr val="tx1"/>
+            </a:solidFill>
+          </a:ln>
+        </p:spPr>
+        <p:style>
+          <a:lnRef idx="1">
+            <a:schemeClr val="accent1"/>
+          </a:lnRef>
+          <a:fillRef idx="0">
+            <a:schemeClr val="accent1"/>
+          </a:fillRef>
+          <a:effectRef idx="0">
+            <a:schemeClr val="accent1"/>
+          </a:effectRef>
+          <a:fontRef idx="minor">
+            <a:schemeClr val="tx1"/>
+          </a:fontRef>
+        </p:style>
+      </p:cxnSp>
+      <p:cxnSp>
+        <p:nvCxnSpPr>
+          <p:cNvPr id="282" name="Straight Connector 281"/>
+          <p:cNvCxnSpPr>
+            <a:endCxn id="270" idx="2"/>
+          </p:cNvCxnSpPr>
+          <p:nvPr/>
+        </p:nvCxnSpPr>
+        <p:spPr>
+          <a:xfrm rot="16200000" flipV="1">
+            <a:off x="4961198" y="2521834"/>
+            <a:ext cx="2057400" cy="1981200"/>
+          </a:xfrm>
+          <a:prstGeom prst="line">
+            <a:avLst/>
+          </a:prstGeom>
+          <a:ln>
+            <a:solidFill>
+              <a:schemeClr val="tx1">
+                <a:alpha val="50000"/>
+              </a:schemeClr>
+            </a:solidFill>
+          </a:ln>
+        </p:spPr>
+        <p:style>
+          <a:lnRef idx="1">
+            <a:schemeClr val="accent1"/>
+          </a:lnRef>
+          <a:fillRef idx="0">
+            <a:schemeClr val="accent1"/>
+          </a:fillRef>
+          <a:effectRef idx="0">
+            <a:schemeClr val="accent1"/>
+          </a:effectRef>
+          <a:fontRef idx="minor">
+            <a:schemeClr val="tx1"/>
+          </a:fontRef>
+        </p:style>
+      </p:cxnSp>
+      <p:cxnSp>
+        <p:nvCxnSpPr>
+          <p:cNvPr id="283" name="Straight Connector 282"/>
+          <p:cNvCxnSpPr>
+            <a:endCxn id="271" idx="2"/>
+          </p:cNvCxnSpPr>
+          <p:nvPr/>
+        </p:nvCxnSpPr>
+        <p:spPr>
+          <a:xfrm rot="16200000" flipV="1">
+            <a:off x="6332798" y="3360034"/>
+            <a:ext cx="2057400" cy="304800"/>
+          </a:xfrm>
+          <a:prstGeom prst="line">
+            <a:avLst/>
+          </a:prstGeom>
+          <a:ln>
+            <a:solidFill>
+              <a:schemeClr val="tx1">
+                <a:alpha val="50000"/>
+              </a:schemeClr>
+            </a:solidFill>
+          </a:ln>
+        </p:spPr>
+        <p:style>
+          <a:lnRef idx="1">
+            <a:schemeClr val="accent1"/>
+          </a:lnRef>
+          <a:fillRef idx="0">
+            <a:schemeClr val="accent1"/>
+          </a:fillRef>
+          <a:effectRef idx="0">
+            <a:schemeClr val="accent1"/>
+          </a:effectRef>
+          <a:fontRef idx="minor">
+            <a:schemeClr val="tx1"/>
+          </a:fontRef>
+        </p:style>
+      </p:cxnSp>
+      <p:cxnSp>
+        <p:nvCxnSpPr>
+          <p:cNvPr id="285" name="Straight Connector 284"/>
+          <p:cNvCxnSpPr>
+            <a:endCxn id="269" idx="2"/>
+          </p:cNvCxnSpPr>
+          <p:nvPr/>
+        </p:nvCxnSpPr>
+        <p:spPr>
+          <a:xfrm rot="16200000" flipV="1">
+            <a:off x="4694498" y="502534"/>
+            <a:ext cx="2057400" cy="6019800"/>
+          </a:xfrm>
+          <a:prstGeom prst="line">
+            <a:avLst/>
+          </a:prstGeom>
+          <a:ln>
+            <a:solidFill>
+              <a:schemeClr val="tx1">
+                <a:alpha val="50000"/>
+              </a:schemeClr>
+            </a:solidFill>
+          </a:ln>
+        </p:spPr>
+        <p:style>
+          <a:lnRef idx="1">
+            <a:schemeClr val="accent1"/>
+          </a:lnRef>
+          <a:fillRef idx="0">
+            <a:schemeClr val="accent1"/>
+          </a:fillRef>
+          <a:effectRef idx="0">
+            <a:schemeClr val="accent1"/>
+          </a:effectRef>
+          <a:fontRef idx="minor">
+            <a:schemeClr val="tx1"/>
+          </a:fontRef>
+        </p:style>
+      </p:cxnSp>
+      <p:cxnSp>
+        <p:nvCxnSpPr>
+          <p:cNvPr id="286" name="Straight Connector 285"/>
+          <p:cNvCxnSpPr>
+            <a:endCxn id="270" idx="2"/>
+          </p:cNvCxnSpPr>
+          <p:nvPr/>
+        </p:nvCxnSpPr>
+        <p:spPr>
+          <a:xfrm rot="16200000" flipV="1">
+            <a:off x="6104198" y="1378834"/>
+            <a:ext cx="2057400" cy="4267200"/>
+          </a:xfrm>
+          <a:prstGeom prst="line">
+            <a:avLst/>
+          </a:prstGeom>
+          <a:ln>
+            <a:solidFill>
+              <a:schemeClr val="tx1">
+                <a:alpha val="50000"/>
+              </a:schemeClr>
+            </a:solidFill>
+          </a:ln>
+        </p:spPr>
+        <p:style>
+          <a:lnRef idx="1">
+            <a:schemeClr val="accent1"/>
+          </a:lnRef>
+          <a:fillRef idx="0">
+            <a:schemeClr val="accent1"/>
+          </a:fillRef>
+          <a:effectRef idx="0">
+            <a:schemeClr val="accent1"/>
+          </a:effectRef>
+          <a:fontRef idx="minor">
+            <a:schemeClr val="tx1"/>
+          </a:fontRef>
+        </p:style>
+      </p:cxnSp>
+      <p:cxnSp>
+        <p:nvCxnSpPr>
+          <p:cNvPr id="287" name="Straight Connector 286"/>
+          <p:cNvCxnSpPr>
+            <a:endCxn id="271" idx="2"/>
+          </p:cNvCxnSpPr>
+          <p:nvPr/>
+        </p:nvCxnSpPr>
+        <p:spPr>
+          <a:xfrm rot="16200000" flipV="1">
+            <a:off x="7475798" y="2217034"/>
+            <a:ext cx="2057400" cy="2590800"/>
+          </a:xfrm>
+          <a:prstGeom prst="line">
+            <a:avLst/>
+          </a:prstGeom>
+          <a:ln>
+            <a:solidFill>
+              <a:schemeClr val="tx1">
+                <a:alpha val="50000"/>
+              </a:schemeClr>
+            </a:solidFill>
+          </a:ln>
+        </p:spPr>
+        <p:style>
+          <a:lnRef idx="1">
+            <a:schemeClr val="accent1"/>
+          </a:lnRef>
+          <a:fillRef idx="0">
+            <a:schemeClr val="accent1"/>
+          </a:fillRef>
+          <a:effectRef idx="0">
+            <a:schemeClr val="accent1"/>
+          </a:effectRef>
+          <a:fontRef idx="minor">
+            <a:schemeClr val="tx1"/>
+          </a:fontRef>
+        </p:style>
+      </p:cxnSp>
+      <p:cxnSp>
+        <p:nvCxnSpPr>
+          <p:cNvPr id="288" name="Straight Connector 287"/>
+          <p:cNvCxnSpPr>
+            <a:endCxn id="272" idx="2"/>
+          </p:cNvCxnSpPr>
+          <p:nvPr/>
+        </p:nvCxnSpPr>
+        <p:spPr>
+          <a:xfrm rot="16200000" flipV="1">
+            <a:off x="8885498" y="3093334"/>
+            <a:ext cx="2057400" cy="838200"/>
+          </a:xfrm>
+          <a:prstGeom prst="line">
+            <a:avLst/>
+          </a:prstGeom>
+          <a:ln>
+            <a:solidFill>
+              <a:schemeClr val="tx1">
+                <a:alpha val="50000"/>
+              </a:schemeClr>
+            </a:solidFill>
+          </a:ln>
+        </p:spPr>
+        <p:style>
+          <a:lnRef idx="1">
+            <a:schemeClr val="accent1"/>
+          </a:lnRef>
+          <a:fillRef idx="0">
+            <a:schemeClr val="accent1"/>
+          </a:fillRef>
+          <a:effectRef idx="0">
+            <a:schemeClr val="accent1"/>
+          </a:effectRef>
+          <a:fontRef idx="minor">
+            <a:schemeClr val="tx1"/>
+          </a:fontRef>
+        </p:style>
+      </p:cxnSp>
+      <p:sp>
+        <p:nvSpPr>
+          <p:cNvPr id="289" name="Rectangle 288"/>
+          <p:cNvSpPr/>
+          <p:nvPr/>
+        </p:nvSpPr>
+        <p:spPr>
+          <a:xfrm>
+            <a:off x="1646498" y="3398134"/>
+            <a:ext cx="2209800" cy="1752600"/>
+          </a:xfrm>
+          <a:prstGeom prst="rect">
+            <a:avLst/>
+          </a:prstGeom>
+          <a:noFill/>
+          <a:ln w="12700">
+            <a:prstDash val="dash"/>
+          </a:ln>
+        </p:spPr>
+        <p:style>
+          <a:lnRef idx="2">
+            <a:schemeClr val="accent1">
+              <a:shade val="50000"/>
+            </a:schemeClr>
+          </a:lnRef>
+          <a:fillRef idx="1">
+            <a:schemeClr val="accent1"/>
+          </a:fillRef>
+          <a:effectRef idx="0">
+            <a:schemeClr val="accent1"/>
+          </a:effectRef>
+          <a:fontRef idx="minor">
+            <a:schemeClr val="lt1"/>
+          </a:fontRef>
+        </p:style>
+        <p:txBody>
+          <a:bodyPr rtlCol="0" anchor="ctr"/>
+          <a:lstStyle/>
+          <a:p>
+            <a:pPr algn="ctr"/>
+            <a:endParaRPr lang="en-US"/>
+          </a:p>
+        </p:txBody>
+      </p:sp>
+      <p:sp>
+        <p:nvSpPr>
+          <p:cNvPr id="290" name="Rectangle 289"/>
+          <p:cNvSpPr/>
+          <p:nvPr/>
+        </p:nvSpPr>
+        <p:spPr>
+          <a:xfrm>
+            <a:off x="3932498" y="3398134"/>
+            <a:ext cx="2133600" cy="1752600"/>
+          </a:xfrm>
+          <a:prstGeom prst="rect">
+            <a:avLst/>
+          </a:prstGeom>
+          <a:noFill/>
+          <a:ln w="12700">
+            <a:prstDash val="dash"/>
+          </a:ln>
+        </p:spPr>
+        <p:style>
+          <a:lnRef idx="2">
+            <a:schemeClr val="accent1">
+              <a:shade val="50000"/>
+            </a:schemeClr>
+          </a:lnRef>
+          <a:fillRef idx="1">
+            <a:schemeClr val="accent1"/>
+          </a:fillRef>
+          <a:effectRef idx="0">
+            <a:schemeClr val="accent1"/>
+          </a:effectRef>
+          <a:fontRef idx="minor">
+            <a:schemeClr val="lt1"/>
+          </a:fontRef>
+        </p:style>
+        <p:txBody>
+          <a:bodyPr rtlCol="0" anchor="ctr"/>
+          <a:lstStyle/>
+          <a:p>
+            <a:pPr algn="ctr"/>
+            <a:endParaRPr lang="en-US"/>
+          </a:p>
+        </p:txBody>
+      </p:sp>
+      <p:sp>
+        <p:nvSpPr>
+          <p:cNvPr id="291" name="Rectangle 290"/>
+          <p:cNvSpPr/>
+          <p:nvPr/>
+        </p:nvSpPr>
+        <p:spPr>
+          <a:xfrm>
+            <a:off x="6142298" y="3398134"/>
+            <a:ext cx="2209800" cy="1752600"/>
+          </a:xfrm>
+          <a:prstGeom prst="rect">
+            <a:avLst/>
+          </a:prstGeom>
+          <a:noFill/>
+          <a:ln w="12700">
+            <a:prstDash val="dash"/>
+          </a:ln>
+        </p:spPr>
+        <p:style>
+          <a:lnRef idx="2">
+            <a:schemeClr val="accent1">
+              <a:shade val="50000"/>
+            </a:schemeClr>
+          </a:lnRef>
+          <a:fillRef idx="1">
+            <a:schemeClr val="accent1"/>
+          </a:fillRef>
+          <a:effectRef idx="0">
+            <a:schemeClr val="accent1"/>
+          </a:effectRef>
+          <a:fontRef idx="minor">
+            <a:schemeClr val="lt1"/>
+          </a:fontRef>
+        </p:style>
+        <p:txBody>
+          <a:bodyPr rtlCol="0" anchor="ctr"/>
+          <a:lstStyle/>
+          <a:p>
+            <a:pPr algn="ctr"/>
+            <a:endParaRPr lang="en-US"/>
+          </a:p>
+        </p:txBody>
+      </p:sp>
+      <p:sp>
+        <p:nvSpPr>
+          <p:cNvPr id="292" name="Rectangle 291"/>
+          <p:cNvSpPr/>
+          <p:nvPr/>
+        </p:nvSpPr>
+        <p:spPr>
+          <a:xfrm>
+            <a:off x="8428298" y="3398134"/>
+            <a:ext cx="2209800" cy="1752600"/>
+          </a:xfrm>
+          <a:prstGeom prst="rect">
+            <a:avLst/>
+          </a:prstGeom>
+          <a:noFill/>
+          <a:ln w="12700">
+            <a:prstDash val="dash"/>
+          </a:ln>
+        </p:spPr>
+        <p:style>
+          <a:lnRef idx="2">
+            <a:schemeClr val="accent1">
+              <a:shade val="50000"/>
+            </a:schemeClr>
+          </a:lnRef>
+          <a:fillRef idx="1">
+            <a:schemeClr val="accent1"/>
+          </a:fillRef>
+          <a:effectRef idx="0">
+            <a:schemeClr val="accent1"/>
+          </a:effectRef>
+          <a:fontRef idx="minor">
+            <a:schemeClr val="lt1"/>
+          </a:fontRef>
+        </p:style>
+        <p:txBody>
+          <a:bodyPr rtlCol="0" anchor="ctr"/>
+          <a:lstStyle/>
+          <a:p>
+            <a:pPr algn="ctr"/>
+            <a:endParaRPr lang="en-US"/>
+          </a:p>
+        </p:txBody>
+      </p:sp>
+      <p:sp>
+        <p:nvSpPr>
+          <p:cNvPr id="6" name="TextBox 5"/>
+          <p:cNvSpPr txBox="1"/>
+          <p:nvPr/>
+        </p:nvSpPr>
+        <p:spPr>
+          <a:xfrm>
+            <a:off x="1469985" y="694481"/>
+            <a:ext cx="8707255" cy="369332"/>
+          </a:xfrm>
+          <a:prstGeom prst="rect">
+            <a:avLst/>
+          </a:prstGeom>
+          <a:noFill/>
+        </p:spPr>
+        <p:txBody>
+          <a:bodyPr wrap="none" rtlCol="0">
+            <a:spAutoFit/>
+          </a:bodyPr>
+          <a:lstStyle/>
+          <a:p>
+            <a:r>
+              <a:rPr lang="en-US" dirty="0"/>
+              <a:t>Hypothesis: using radix routing based on fixed dimensions can result deadlock free routing </a:t>
+            </a:r>
+          </a:p>
+        </p:txBody>
+      </p:sp>
+      <p:sp>
+        <p:nvSpPr>
+          <p:cNvPr id="7" name="TextBox 6"/>
+          <p:cNvSpPr txBox="1"/>
+          <p:nvPr/>
+        </p:nvSpPr>
+        <p:spPr>
+          <a:xfrm>
+            <a:off x="1646498" y="5463251"/>
+            <a:ext cx="1938351" cy="646331"/>
+          </a:xfrm>
+          <a:prstGeom prst="rect">
+            <a:avLst/>
+          </a:prstGeom>
+          <a:noFill/>
+        </p:spPr>
+        <p:txBody>
+          <a:bodyPr wrap="none" rtlCol="0">
+            <a:spAutoFit/>
+          </a:bodyPr>
+          <a:lstStyle/>
+          <a:p>
+            <a:r>
+              <a:rPr lang="en-US" dirty="0"/>
+              <a:t>(00 – 23): 00 03 23</a:t>
+            </a:r>
+          </a:p>
+          <a:p>
+            <a:r>
+              <a:rPr lang="en-US" dirty="0"/>
+              <a:t>(03 – 20): 03 00 20</a:t>
+            </a:r>
+          </a:p>
+        </p:txBody>
+      </p:sp>
+      <p:cxnSp>
+        <p:nvCxnSpPr>
+          <p:cNvPr id="3" name="Straight Connector 2"/>
+          <p:cNvCxnSpPr>
+            <a:stCxn id="272" idx="2"/>
+            <a:endCxn id="246" idx="0"/>
+          </p:cNvCxnSpPr>
+          <p:nvPr/>
+        </p:nvCxnSpPr>
+        <p:spPr>
+          <a:xfrm flipH="1">
+            <a:off x="8047297" y="2483734"/>
+            <a:ext cx="1447801" cy="2057400"/>
+          </a:xfrm>
+          <a:prstGeom prst="line">
+            <a:avLst/>
+          </a:prstGeom>
+          <a:ln w="12700">
+            <a:solidFill>
+              <a:schemeClr val="tx1"/>
+            </a:solidFill>
+          </a:ln>
+        </p:spPr>
+        <p:style>
+          <a:lnRef idx="1">
+            <a:schemeClr val="accent1"/>
+          </a:lnRef>
+          <a:fillRef idx="0">
+            <a:schemeClr val="accent1"/>
+          </a:fillRef>
+          <a:effectRef idx="0">
+            <a:schemeClr val="accent1"/>
+          </a:effectRef>
+          <a:fontRef idx="minor">
+            <a:schemeClr val="tx1"/>
+          </a:fontRef>
+        </p:style>
+      </p:cxnSp>
+      <p:sp>
+        <p:nvSpPr>
+          <p:cNvPr id="8" name="Freeform: Shape 7"/>
+          <p:cNvSpPr/>
+          <p:nvPr/>
+        </p:nvSpPr>
+        <p:spPr>
+          <a:xfrm>
+            <a:off x="1799771" y="2249425"/>
+            <a:ext cx="7871037" cy="2511267"/>
+          </a:xfrm>
+          <a:custGeom>
+            <a:avLst/>
+            <a:gdLst>
+              <a:gd name="connsiteX0" fmla="*/ 0 w 7871037"/>
+              <a:gd name="connsiteY0" fmla="*/ 2511261 h 2511267"/>
+              <a:gd name="connsiteX1" fmla="*/ 696686 w 7871037"/>
+              <a:gd name="connsiteY1" fmla="*/ 1771032 h 2511267"/>
+              <a:gd name="connsiteX2" fmla="*/ 928915 w 7871037"/>
+              <a:gd name="connsiteY2" fmla="*/ 1669432 h 2511267"/>
+              <a:gd name="connsiteX3" fmla="*/ 1770743 w 7871037"/>
+              <a:gd name="connsiteY3" fmla="*/ 2424175 h 2511267"/>
+              <a:gd name="connsiteX4" fmla="*/ 2206172 w 7871037"/>
+              <a:gd name="connsiteY4" fmla="*/ 2162918 h 2511267"/>
+              <a:gd name="connsiteX5" fmla="*/ 4397829 w 7871037"/>
+              <a:gd name="connsiteY5" fmla="*/ 1480746 h 2511267"/>
+              <a:gd name="connsiteX6" fmla="*/ 7474858 w 7871037"/>
+              <a:gd name="connsiteY6" fmla="*/ 232518 h 2511267"/>
+              <a:gd name="connsiteX7" fmla="*/ 7721600 w 7871037"/>
+              <a:gd name="connsiteY7" fmla="*/ 188975 h 2511267"/>
+              <a:gd name="connsiteX8" fmla="*/ 6458858 w 7871037"/>
+              <a:gd name="connsiteY8" fmla="*/ 2206461 h 2511267"/>
+              <a:gd name="connsiteX9" fmla="*/ 6255658 w 7871037"/>
+              <a:gd name="connsiteY9" fmla="*/ 2467718 h 2511267"/>
+            </a:gdLst>
+            <a:ahLst/>
+            <a:cxnLst>
+              <a:cxn ang="0">
+                <a:pos x="connsiteX0" y="connsiteY0"/>
+              </a:cxn>
+              <a:cxn ang="0">
+                <a:pos x="connsiteX1" y="connsiteY1"/>
+              </a:cxn>
+              <a:cxn ang="0">
+                <a:pos x="connsiteX2" y="connsiteY2"/>
+              </a:cxn>
+              <a:cxn ang="0">
+                <a:pos x="connsiteX3" y="connsiteY3"/>
+              </a:cxn>
+              <a:cxn ang="0">
+                <a:pos x="connsiteX4" y="connsiteY4"/>
+              </a:cxn>
+              <a:cxn ang="0">
+                <a:pos x="connsiteX5" y="connsiteY5"/>
+              </a:cxn>
+              <a:cxn ang="0">
+                <a:pos x="connsiteX6" y="connsiteY6"/>
+              </a:cxn>
+              <a:cxn ang="0">
+                <a:pos x="connsiteX7" y="connsiteY7"/>
+              </a:cxn>
+              <a:cxn ang="0">
+                <a:pos x="connsiteX8" y="connsiteY8"/>
+              </a:cxn>
+              <a:cxn ang="0">
+                <a:pos x="connsiteX9" y="connsiteY9"/>
+              </a:cxn>
+            </a:cxnLst>
+            <a:rect l="l" t="t" r="r" b="b"/>
+            <a:pathLst>
+              <a:path w="7871037" h="2511267">
+                <a:moveTo>
+                  <a:pt x="0" y="2511261"/>
+                </a:moveTo>
+                <a:cubicBezTo>
+                  <a:pt x="270933" y="2211299"/>
+                  <a:pt x="541867" y="1911337"/>
+                  <a:pt x="696686" y="1771032"/>
+                </a:cubicBezTo>
+                <a:cubicBezTo>
+                  <a:pt x="851505" y="1630727"/>
+                  <a:pt x="749905" y="1560575"/>
+                  <a:pt x="928915" y="1669432"/>
+                </a:cubicBezTo>
+                <a:cubicBezTo>
+                  <a:pt x="1107925" y="1778289"/>
+                  <a:pt x="1557867" y="2341927"/>
+                  <a:pt x="1770743" y="2424175"/>
+                </a:cubicBezTo>
+                <a:cubicBezTo>
+                  <a:pt x="1983619" y="2506423"/>
+                  <a:pt x="1768324" y="2320156"/>
+                  <a:pt x="2206172" y="2162918"/>
+                </a:cubicBezTo>
+                <a:cubicBezTo>
+                  <a:pt x="2644020" y="2005680"/>
+                  <a:pt x="3519715" y="1802479"/>
+                  <a:pt x="4397829" y="1480746"/>
+                </a:cubicBezTo>
+                <a:cubicBezTo>
+                  <a:pt x="5275943" y="1159013"/>
+                  <a:pt x="6920896" y="447813"/>
+                  <a:pt x="7474858" y="232518"/>
+                </a:cubicBezTo>
+                <a:cubicBezTo>
+                  <a:pt x="8028820" y="17223"/>
+                  <a:pt x="7890933" y="-140015"/>
+                  <a:pt x="7721600" y="188975"/>
+                </a:cubicBezTo>
+                <a:cubicBezTo>
+                  <a:pt x="7552267" y="517965"/>
+                  <a:pt x="6703182" y="1826671"/>
+                  <a:pt x="6458858" y="2206461"/>
+                </a:cubicBezTo>
+                <a:cubicBezTo>
+                  <a:pt x="6214534" y="2586251"/>
+                  <a:pt x="6235096" y="2526984"/>
+                  <a:pt x="6255658" y="2467718"/>
+                </a:cubicBezTo>
+              </a:path>
+            </a:pathLst>
+          </a:custGeom>
+          <a:noFill/>
+          <a:ln w="38100"/>
+        </p:spPr>
+        <p:style>
+          <a:lnRef idx="2">
+            <a:schemeClr val="accent1">
+              <a:shade val="50000"/>
+            </a:schemeClr>
+          </a:lnRef>
+          <a:fillRef idx="1">
+            <a:schemeClr val="accent1"/>
+          </a:fillRef>
+          <a:effectRef idx="0">
+            <a:schemeClr val="accent1"/>
+          </a:effectRef>
+          <a:fontRef idx="minor">
+            <a:schemeClr val="lt1"/>
+          </a:fontRef>
+        </p:style>
+        <p:txBody>
+          <a:bodyPr rtlCol="0" anchor="ctr"/>
+          <a:lstStyle/>
+          <a:p>
+            <a:pPr algn="ctr"/>
+            <a:endParaRPr lang="en-US"/>
+          </a:p>
+        </p:txBody>
+      </p:sp>
+      <p:sp>
+        <p:nvSpPr>
+          <p:cNvPr id="9" name="Freeform: Shape 8"/>
+          <p:cNvSpPr/>
+          <p:nvPr/>
+        </p:nvSpPr>
+        <p:spPr>
+          <a:xfrm>
+            <a:off x="2024958" y="2364557"/>
+            <a:ext cx="4691522" cy="2904129"/>
+          </a:xfrm>
+          <a:custGeom>
+            <a:avLst/>
+            <a:gdLst>
+              <a:gd name="connsiteX0" fmla="*/ 1545556 w 4691522"/>
+              <a:gd name="connsiteY0" fmla="*/ 2831557 h 2904129"/>
+              <a:gd name="connsiteX1" fmla="*/ 1429442 w 4691522"/>
+              <a:gd name="connsiteY1" fmla="*/ 2338072 h 2904129"/>
+              <a:gd name="connsiteX2" fmla="*/ 761785 w 4691522"/>
+              <a:gd name="connsiteY2" fmla="*/ 1728472 h 2904129"/>
+              <a:gd name="connsiteX3" fmla="*/ 7042 w 4691522"/>
+              <a:gd name="connsiteY3" fmla="*/ 2250986 h 2904129"/>
+              <a:gd name="connsiteX4" fmla="*/ 398928 w 4691522"/>
+              <a:gd name="connsiteY4" fmla="*/ 654414 h 2904129"/>
+              <a:gd name="connsiteX5" fmla="*/ 645671 w 4691522"/>
+              <a:gd name="connsiteY5" fmla="*/ 44814 h 2904129"/>
+              <a:gd name="connsiteX6" fmla="*/ 1023042 w 4691522"/>
+              <a:gd name="connsiteY6" fmla="*/ 160929 h 2904129"/>
+              <a:gd name="connsiteX7" fmla="*/ 2532528 w 4691522"/>
+              <a:gd name="connsiteY7" fmla="*/ 1075329 h 2904129"/>
+              <a:gd name="connsiteX8" fmla="*/ 4433899 w 4691522"/>
+              <a:gd name="connsiteY8" fmla="*/ 2265500 h 2904129"/>
+              <a:gd name="connsiteX9" fmla="*/ 4622585 w 4691522"/>
+              <a:gd name="connsiteY9" fmla="*/ 2904129 h 2904129"/>
+            </a:gdLst>
+            <a:ahLst/>
+            <a:cxnLst>
+              <a:cxn ang="0">
+                <a:pos x="connsiteX0" y="connsiteY0"/>
+              </a:cxn>
+              <a:cxn ang="0">
+                <a:pos x="connsiteX1" y="connsiteY1"/>
+              </a:cxn>
+              <a:cxn ang="0">
+                <a:pos x="connsiteX2" y="connsiteY2"/>
+              </a:cxn>
+              <a:cxn ang="0">
+                <a:pos x="connsiteX3" y="connsiteY3"/>
+              </a:cxn>
+              <a:cxn ang="0">
+                <a:pos x="connsiteX4" y="connsiteY4"/>
+              </a:cxn>
+              <a:cxn ang="0">
+                <a:pos x="connsiteX5" y="connsiteY5"/>
+              </a:cxn>
+              <a:cxn ang="0">
+                <a:pos x="connsiteX6" y="connsiteY6"/>
+              </a:cxn>
+              <a:cxn ang="0">
+                <a:pos x="connsiteX7" y="connsiteY7"/>
+              </a:cxn>
+              <a:cxn ang="0">
+                <a:pos x="connsiteX8" y="connsiteY8"/>
+              </a:cxn>
+              <a:cxn ang="0">
+                <a:pos x="connsiteX9" y="connsiteY9"/>
+              </a:cxn>
+            </a:cxnLst>
+            <a:rect l="l" t="t" r="r" b="b"/>
+            <a:pathLst>
+              <a:path w="4691522" h="2904129">
+                <a:moveTo>
+                  <a:pt x="1545556" y="2831557"/>
+                </a:moveTo>
+                <a:cubicBezTo>
+                  <a:pt x="1552813" y="2676738"/>
+                  <a:pt x="1560070" y="2521919"/>
+                  <a:pt x="1429442" y="2338072"/>
+                </a:cubicBezTo>
+                <a:cubicBezTo>
+                  <a:pt x="1298814" y="2154225"/>
+                  <a:pt x="998852" y="1742986"/>
+                  <a:pt x="761785" y="1728472"/>
+                </a:cubicBezTo>
+                <a:cubicBezTo>
+                  <a:pt x="524718" y="1713958"/>
+                  <a:pt x="67518" y="2429996"/>
+                  <a:pt x="7042" y="2250986"/>
+                </a:cubicBezTo>
+                <a:cubicBezTo>
+                  <a:pt x="-53434" y="2071976"/>
+                  <a:pt x="292490" y="1022109"/>
+                  <a:pt x="398928" y="654414"/>
+                </a:cubicBezTo>
+                <a:cubicBezTo>
+                  <a:pt x="505366" y="286719"/>
+                  <a:pt x="541652" y="127061"/>
+                  <a:pt x="645671" y="44814"/>
+                </a:cubicBezTo>
+                <a:cubicBezTo>
+                  <a:pt x="749690" y="-37433"/>
+                  <a:pt x="708566" y="-10823"/>
+                  <a:pt x="1023042" y="160929"/>
+                </a:cubicBezTo>
+                <a:cubicBezTo>
+                  <a:pt x="1337518" y="332681"/>
+                  <a:pt x="2532528" y="1075329"/>
+                  <a:pt x="2532528" y="1075329"/>
+                </a:cubicBezTo>
+                <a:cubicBezTo>
+                  <a:pt x="3101004" y="1426091"/>
+                  <a:pt x="4085556" y="1960700"/>
+                  <a:pt x="4433899" y="2265500"/>
+                </a:cubicBezTo>
+                <a:cubicBezTo>
+                  <a:pt x="4782242" y="2570300"/>
+                  <a:pt x="4702413" y="2737214"/>
+                  <a:pt x="4622585" y="2904129"/>
+                </a:cubicBezTo>
+              </a:path>
+            </a:pathLst>
+          </a:custGeom>
+          <a:noFill/>
+          <a:ln w="38100">
+            <a:solidFill>
+              <a:srgbClr val="C00000"/>
+            </a:solidFill>
+          </a:ln>
+        </p:spPr>
+        <p:style>
+          <a:lnRef idx="2">
+            <a:schemeClr val="accent1">
+              <a:shade val="50000"/>
+            </a:schemeClr>
+          </a:lnRef>
+          <a:fillRef idx="1">
+            <a:schemeClr val="accent1"/>
+          </a:fillRef>
+          <a:effectRef idx="0">
+            <a:schemeClr val="accent1"/>
+          </a:effectRef>
+          <a:fontRef idx="minor">
+            <a:schemeClr val="lt1"/>
+          </a:fontRef>
+        </p:style>
+        <p:txBody>
+          <a:bodyPr rtlCol="0" anchor="ctr"/>
+          <a:lstStyle/>
+          <a:p>
+            <a:pPr algn="ctr"/>
+            <a:endParaRPr lang="en-US"/>
+          </a:p>
+        </p:txBody>
+      </p:sp>
+    </p:spTree>
+    <p:extLst>
+      <p:ext uri="{BB962C8B-B14F-4D97-AF65-F5344CB8AC3E}">
+        <p14:creationId xmlns:p14="http://schemas.microsoft.com/office/powerpoint/2010/main" val="1172490192"/>
+      </p:ext>
+    </p:extLst>
+  </p:cSld>
+  <p:clrMapOvr>
+    <a:masterClrMapping/>
+  </p:clrMapOvr>
+  <p:timing>
+    <p:tnLst>
+      <p:par>
+        <p:cTn id="1" dur="indefinite" restart="never" nodeType="tmRoot">
+          <p:childTnLst>
+            <p:seq concurrent="1" nextAc="seek">
+              <p:cTn id="2" dur="indefinite" nodeType="mainSeq">
+                <p:childTnLst>
+                  <p:par>
+                    <p:cTn id="3" fill="hold">
+                      <p:stCondLst>
+                        <p:cond delay="indefinite"/>
+                      </p:stCondLst>
+                      <p:childTnLst>
+                        <p:par>
+                          <p:cTn id="4" fill="hold">
+                            <p:stCondLst>
+                              <p:cond delay="0"/>
+                            </p:stCondLst>
+                            <p:childTnLst>
+                              <p:par>
+                                <p:cTn id="5" presetID="1" presetClass="entr" presetSubtype="0" fill="hold" nodeType="clickEffect">
+                                  <p:stCondLst>
+                                    <p:cond delay="0"/>
+                                  </p:stCondLst>
+                                  <p:childTnLst>
+                                    <p:set>
+                                      <p:cBhvr>
+                                        <p:cTn id="6" dur="1" fill="hold">
+                                          <p:stCondLst>
+                                            <p:cond delay="0"/>
+                                          </p:stCondLst>
+                                        </p:cTn>
+                                        <p:tgtEl>
+                                          <p:spTgt spid="222"/>
+                                        </p:tgtEl>
+                                        <p:attrNameLst>
+                                          <p:attrName>style.visibility</p:attrName>
+                                        </p:attrNameLst>
+                                      </p:cBhvr>
+                                      <p:to>
+                                        <p:strVal val="visible"/>
+                                      </p:to>
+                                    </p:set>
+                                  </p:childTnLst>
+                                </p:cTn>
+                              </p:par>
+                              <p:par>
+                                <p:cTn id="7" presetID="1" presetClass="entr" presetSubtype="0" fill="hold" nodeType="withEffect">
+                                  <p:stCondLst>
+                                    <p:cond delay="0"/>
+                                  </p:stCondLst>
+                                  <p:childTnLst>
+                                    <p:set>
+                                      <p:cBhvr>
+                                        <p:cTn id="8" dur="1" fill="hold">
+                                          <p:stCondLst>
+                                            <p:cond delay="0"/>
+                                          </p:stCondLst>
+                                        </p:cTn>
+                                        <p:tgtEl>
+                                          <p:spTgt spid="219"/>
+                                        </p:tgtEl>
+                                        <p:attrNameLst>
+                                          <p:attrName>style.visibility</p:attrName>
+                                        </p:attrNameLst>
+                                      </p:cBhvr>
+                                      <p:to>
+                                        <p:strVal val="visible"/>
+                                      </p:to>
+                                    </p:set>
+                                  </p:childTnLst>
+                                </p:cTn>
+                              </p:par>
+                              <p:par>
+                                <p:cTn id="9" presetID="1" presetClass="entr" presetSubtype="0" fill="hold" nodeType="withEffect">
+                                  <p:stCondLst>
+                                    <p:cond delay="0"/>
+                                  </p:stCondLst>
+                                  <p:childTnLst>
+                                    <p:set>
+                                      <p:cBhvr>
+                                        <p:cTn id="10" dur="1" fill="hold">
+                                          <p:stCondLst>
+                                            <p:cond delay="0"/>
+                                          </p:stCondLst>
+                                        </p:cTn>
+                                        <p:tgtEl>
+                                          <p:spTgt spid="273"/>
+                                        </p:tgtEl>
+                                        <p:attrNameLst>
+                                          <p:attrName>style.visibility</p:attrName>
+                                        </p:attrNameLst>
+                                      </p:cBhvr>
+                                      <p:to>
+                                        <p:strVal val="visible"/>
+                                      </p:to>
+                                    </p:set>
+                                  </p:childTnLst>
+                                </p:cTn>
+                              </p:par>
+                              <p:par>
+                                <p:cTn id="11" presetID="1" presetClass="entr" presetSubtype="0" fill="hold" nodeType="withEffect">
+                                  <p:stCondLst>
+                                    <p:cond delay="0"/>
+                                  </p:stCondLst>
+                                  <p:childTnLst>
+                                    <p:set>
+                                      <p:cBhvr>
+                                        <p:cTn id="12" dur="1" fill="hold">
+                                          <p:stCondLst>
+                                            <p:cond delay="0"/>
+                                          </p:stCondLst>
+                                        </p:cTn>
+                                        <p:tgtEl>
+                                          <p:spTgt spid="281"/>
+                                        </p:tgtEl>
+                                        <p:attrNameLst>
+                                          <p:attrName>style.visibility</p:attrName>
+                                        </p:attrNameLst>
+                                      </p:cBhvr>
+                                      <p:to>
+                                        <p:strVal val="visible"/>
+                                      </p:to>
+                                    </p:set>
+                                  </p:childTnLst>
+                                </p:cTn>
+                              </p:par>
+                            </p:childTnLst>
+                          </p:cTn>
+                        </p:par>
+                      </p:childTnLst>
+                    </p:cTn>
+                  </p:par>
+                  <p:par>
+                    <p:cTn id="13" fill="hold">
+                      <p:stCondLst>
+                        <p:cond delay="indefinite"/>
+                      </p:stCondLst>
+                      <p:childTnLst>
+                        <p:par>
+                          <p:cTn id="14" fill="hold">
+                            <p:stCondLst>
+                              <p:cond delay="0"/>
+                            </p:stCondLst>
+                            <p:childTnLst>
+                              <p:par>
+                                <p:cTn id="15" presetID="1" presetClass="entr" presetSubtype="0" fill="hold" nodeType="clickEffect">
+                                  <p:stCondLst>
+                                    <p:cond delay="0"/>
+                                  </p:stCondLst>
+                                  <p:childTnLst>
+                                    <p:set>
+                                      <p:cBhvr>
+                                        <p:cTn id="16" dur="1" fill="hold">
+                                          <p:stCondLst>
+                                            <p:cond delay="0"/>
+                                          </p:stCondLst>
+                                        </p:cTn>
+                                        <p:tgtEl>
+                                          <p:spTgt spid="276"/>
+                                        </p:tgtEl>
+                                        <p:attrNameLst>
+                                          <p:attrName>style.visibility</p:attrName>
+                                        </p:attrNameLst>
+                                      </p:cBhvr>
+                                      <p:to>
+                                        <p:strVal val="visible"/>
+                                      </p:to>
+                                    </p:set>
+                                  </p:childTnLst>
+                                </p:cTn>
+                              </p:par>
+                              <p:par>
+                                <p:cTn id="17" presetID="1" presetClass="entr" presetSubtype="0" fill="hold" nodeType="withEffect">
+                                  <p:stCondLst>
+                                    <p:cond delay="0"/>
+                                  </p:stCondLst>
+                                  <p:childTnLst>
+                                    <p:set>
+                                      <p:cBhvr>
+                                        <p:cTn id="18" dur="1" fill="hold">
+                                          <p:stCondLst>
+                                            <p:cond delay="0"/>
+                                          </p:stCondLst>
+                                        </p:cTn>
+                                        <p:tgtEl>
+                                          <p:spTgt spid="250"/>
+                                        </p:tgtEl>
+                                        <p:attrNameLst>
+                                          <p:attrName>style.visibility</p:attrName>
+                                        </p:attrNameLst>
+                                      </p:cBhvr>
+                                      <p:to>
+                                        <p:strVal val="visible"/>
+                                      </p:to>
+                                    </p:set>
+                                  </p:childTnLst>
+                                </p:cTn>
+                              </p:par>
+                              <p:par>
+                                <p:cTn id="19" presetID="1" presetClass="entr" presetSubtype="0" fill="hold" nodeType="withEffect">
+                                  <p:stCondLst>
+                                    <p:cond delay="0"/>
+                                  </p:stCondLst>
+                                  <p:childTnLst>
+                                    <p:set>
+                                      <p:cBhvr>
+                                        <p:cTn id="20" dur="1" fill="hold">
                                           <p:stCondLst>
                                             <p:cond delay="0"/>
                                           </p:stCondLst>
